--- a/doc/OpenHFT-presented-2Java-SIG-Nov-13-AND-HZ-Nov-18pptx.pptx
+++ b/doc/OpenHFT-presented-2Java-SIG-Nov-13-AND-HZ-Nov-18pptx.pptx
@@ -3191,6 +3191,13 @@
   <p:clrMapOvr>
     <a:masterClrMapping/>
   </p:clrMapOvr>
+  <p:timing>
+    <p:tnLst>
+      <p:par>
+        <p:cTn id="1" dur="indefinite" restart="never" nodeType="tmRoot"/>
+      </p:par>
+    </p:tnLst>
+  </p:timing>
 </p:sld>
 </file>
 
@@ -3266,6 +3273,13 @@
   <p:clrMapOvr>
     <a:masterClrMapping/>
   </p:clrMapOvr>
+  <p:timing>
+    <p:tnLst>
+      <p:par>
+        <p:cTn id="1" dur="indefinite" restart="never" nodeType="tmRoot"/>
+      </p:par>
+    </p:tnLst>
+  </p:timing>
 </p:sld>
 </file>
 
@@ -3341,6 +3355,13 @@
   <p:clrMapOvr>
     <a:masterClrMapping/>
   </p:clrMapOvr>
+  <p:timing>
+    <p:tnLst>
+      <p:par>
+        <p:cTn id="1" dur="indefinite" restart="never" nodeType="tmRoot"/>
+      </p:par>
+    </p:tnLst>
+  </p:timing>
 </p:sld>
 </file>
 
@@ -3452,6 +3473,13 @@
   <p:clrMapOvr>
     <a:masterClrMapping/>
   </p:clrMapOvr>
+  <p:timing>
+    <p:tnLst>
+      <p:par>
+        <p:cTn id="1" dur="indefinite" restart="never" nodeType="tmRoot"/>
+      </p:par>
+    </p:tnLst>
+  </p:timing>
 </p:sld>
 </file>
 
@@ -3577,6 +3605,13 @@
   <p:clrMapOvr>
     <a:masterClrMapping/>
   </p:clrMapOvr>
+  <p:timing>
+    <p:tnLst>
+      <p:par>
+        <p:cTn id="1" dur="indefinite" restart="never" nodeType="tmRoot"/>
+      </p:par>
+    </p:tnLst>
+  </p:timing>
 </p:sld>
 </file>
 
@@ -3692,6 +3727,13 @@
   <p:clrMapOvr>
     <a:masterClrMapping/>
   </p:clrMapOvr>
+  <p:timing>
+    <p:tnLst>
+      <p:par>
+        <p:cTn id="1" dur="indefinite" restart="never" nodeType="tmRoot"/>
+      </p:par>
+    </p:tnLst>
+  </p:timing>
 </p:sld>
 </file>
 
@@ -3807,6 +3849,13 @@
   <p:clrMapOvr>
     <a:masterClrMapping/>
   </p:clrMapOvr>
+  <p:timing>
+    <p:tnLst>
+      <p:par>
+        <p:cTn id="1" dur="indefinite" restart="never" nodeType="tmRoot"/>
+      </p:par>
+    </p:tnLst>
+  </p:timing>
 </p:sld>
 </file>
 
@@ -3916,6 +3965,13 @@
   <p:clrMapOvr>
     <a:masterClrMapping/>
   </p:clrMapOvr>
+  <p:timing>
+    <p:tnLst>
+      <p:par>
+        <p:cTn id="1" dur="indefinite" restart="never" nodeType="tmRoot"/>
+      </p:par>
+    </p:tnLst>
+  </p:timing>
 </p:sld>
 </file>
 
@@ -4031,6 +4087,13 @@
   <p:clrMapOvr>
     <a:masterClrMapping/>
   </p:clrMapOvr>
+  <p:timing>
+    <p:tnLst>
+      <p:par>
+        <p:cTn id="1" dur="indefinite" restart="never" nodeType="tmRoot"/>
+      </p:par>
+    </p:tnLst>
+  </p:timing>
 </p:sld>
 </file>
 
@@ -4146,6 +4209,13 @@
   <p:clrMapOvr>
     <a:masterClrMapping/>
   </p:clrMapOvr>
+  <p:timing>
+    <p:tnLst>
+      <p:par>
+        <p:cTn id="1" dur="indefinite" restart="never" nodeType="tmRoot"/>
+      </p:par>
+    </p:tnLst>
+  </p:timing>
 </p:sld>
 </file>
 
@@ -4261,6 +4331,13 @@
   <p:clrMapOvr>
     <a:masterClrMapping/>
   </p:clrMapOvr>
+  <p:timing>
+    <p:tnLst>
+      <p:par>
+        <p:cTn id="1" dur="indefinite" restart="never" nodeType="tmRoot"/>
+      </p:par>
+    </p:tnLst>
+  </p:timing>
 </p:sld>
 </file>
 
@@ -4366,6 +4443,13 @@
   <p:clrMapOvr>
     <a:masterClrMapping/>
   </p:clrMapOvr>
+  <p:timing>
+    <p:tnLst>
+      <p:par>
+        <p:cTn id="1" dur="indefinite" restart="never" nodeType="tmRoot"/>
+      </p:par>
+    </p:tnLst>
+  </p:timing>
 </p:sld>
 </file>
 
@@ -4481,6 +4565,13 @@
   <p:clrMapOvr>
     <a:masterClrMapping/>
   </p:clrMapOvr>
+  <p:timing>
+    <p:tnLst>
+      <p:par>
+        <p:cTn id="1" dur="indefinite" restart="never" nodeType="tmRoot"/>
+      </p:par>
+    </p:tnLst>
+  </p:timing>
 </p:sld>
 </file>
 
@@ -4748,6 +4839,13 @@
   <p:clrMapOvr>
     <a:masterClrMapping/>
   </p:clrMapOvr>
+  <p:timing>
+    <p:tnLst>
+      <p:par>
+        <p:cTn id="1" dur="indefinite" restart="never" nodeType="tmRoot"/>
+      </p:par>
+    </p:tnLst>
+  </p:timing>
 </p:sld>
 </file>
 
@@ -4861,6 +4959,13 @@
   <p:clrMapOvr>
     <a:masterClrMapping/>
   </p:clrMapOvr>
+  <p:timing>
+    <p:tnLst>
+      <p:par>
+        <p:cTn id="1" dur="indefinite" restart="never" nodeType="tmRoot"/>
+      </p:par>
+    </p:tnLst>
+  </p:timing>
 </p:sld>
 </file>
 
@@ -4954,6 +5059,13 @@
   <p:clrMapOvr>
     <a:masterClrMapping/>
   </p:clrMapOvr>
+  <p:timing>
+    <p:tnLst>
+      <p:par>
+        <p:cTn id="1" dur="indefinite" restart="never" nodeType="tmRoot"/>
+      </p:par>
+    </p:tnLst>
+  </p:timing>
 </p:sld>
 </file>
 
@@ -5087,6 +5199,13 @@
   <p:clrMapOvr>
     <a:masterClrMapping/>
   </p:clrMapOvr>
+  <p:timing>
+    <p:tnLst>
+      <p:par>
+        <p:cTn id="1" dur="indefinite" restart="never" nodeType="tmRoot"/>
+      </p:par>
+    </p:tnLst>
+  </p:timing>
 </p:sld>
 </file>
 
@@ -5206,6 +5325,13 @@
   <p:clrMapOvr>
     <a:masterClrMapping/>
   </p:clrMapOvr>
+  <p:timing>
+    <p:tnLst>
+      <p:par>
+        <p:cTn id="1" dur="indefinite" restart="never" nodeType="tmRoot"/>
+      </p:par>
+    </p:tnLst>
+  </p:timing>
 </p:sld>
 </file>
 
@@ -5320,6 +5446,13 @@
   <p:clrMapOvr>
     <a:masterClrMapping/>
   </p:clrMapOvr>
+  <p:timing>
+    <p:tnLst>
+      <p:par>
+        <p:cTn id="1" dur="indefinite" restart="never" nodeType="tmRoot"/>
+      </p:par>
+    </p:tnLst>
+  </p:timing>
 </p:sld>
 </file>
 
@@ -5441,6 +5574,13 @@
   <p:clrMapOvr>
     <a:masterClrMapping/>
   </p:clrMapOvr>
+  <p:timing>
+    <p:tnLst>
+      <p:par>
+        <p:cTn id="1" dur="indefinite" restart="never" nodeType="tmRoot"/>
+      </p:par>
+    </p:tnLst>
+  </p:timing>
 </p:sld>
 </file>
 
@@ -5561,6 +5701,13 @@
   <p:clrMapOvr>
     <a:masterClrMapping/>
   </p:clrMapOvr>
+  <p:timing>
+    <p:tnLst>
+      <p:par>
+        <p:cTn id="1" dur="indefinite" restart="never" nodeType="tmRoot"/>
+      </p:par>
+    </p:tnLst>
+  </p:timing>
 </p:sld>
 </file>
 
@@ -5696,6 +5843,13 @@
   <p:clrMapOvr>
     <a:masterClrMapping/>
   </p:clrMapOvr>
+  <p:timing>
+    <p:tnLst>
+      <p:par>
+        <p:cTn id="1" dur="indefinite" restart="never" nodeType="tmRoot"/>
+      </p:par>
+    </p:tnLst>
+  </p:timing>
 </p:sld>
 </file>
 
@@ -6074,6 +6228,13 @@
   <p:clrMapOvr>
     <a:masterClrMapping/>
   </p:clrMapOvr>
+  <p:timing>
+    <p:tnLst>
+      <p:par>
+        <p:cTn id="1" dur="indefinite" restart="never" nodeType="tmRoot"/>
+      </p:par>
+    </p:tnLst>
+  </p:timing>
 </p:sld>
 </file>
 
@@ -6333,6 +6494,13 @@
   <p:clrMapOvr>
     <a:masterClrMapping/>
   </p:clrMapOvr>
+  <p:timing>
+    <p:tnLst>
+      <p:par>
+        <p:cTn id="1" dur="indefinite" restart="never" nodeType="tmRoot"/>
+      </p:par>
+    </p:tnLst>
+  </p:timing>
 </p:sld>
 </file>
 
@@ -6609,11 +6777,6 @@
               </a:rPr>
               <a:t> JDG as JSR-107 compliant Cache&lt;K,V&gt; Operand.  </a:t>
             </a:r>
-            <a:endParaRPr lang="en-US" b="1" dirty="0" smtClean="0">
-              <a:solidFill>
-                <a:srgbClr val="C00000"/>
-              </a:solidFill>
-            </a:endParaRPr>
           </a:p>
         </p:txBody>
       </p:sp>
@@ -6693,6 +6856,13 @@
   <p:clrMapOvr>
     <a:masterClrMapping/>
   </p:clrMapOvr>
+  <p:timing>
+    <p:tnLst>
+      <p:par>
+        <p:cTn id="1" dur="indefinite" restart="never" nodeType="tmRoot"/>
+      </p:par>
+    </p:tnLst>
+  </p:timing>
 </p:sld>
 </file>
 
@@ -7239,6 +7409,13 @@
   <p:clrMapOvr>
     <a:masterClrMapping/>
   </p:clrMapOvr>
+  <p:timing>
+    <p:tnLst>
+      <p:par>
+        <p:cTn id="1" dur="indefinite" restart="never" nodeType="tmRoot"/>
+      </p:par>
+    </p:tnLst>
+  </p:timing>
 </p:sld>
 </file>
 
@@ -7384,6 +7561,13 @@
   <p:clrMapOvr>
     <a:masterClrMapping/>
   </p:clrMapOvr>
+  <p:timing>
+    <p:tnLst>
+      <p:par>
+        <p:cTn id="1" dur="indefinite" restart="never" nodeType="tmRoot"/>
+      </p:par>
+    </p:tnLst>
+  </p:timing>
 </p:sld>
 </file>
 
@@ -7437,7 +7621,7 @@
         <p:spPr>
           <a:xfrm>
             <a:off x="228600" y="457200"/>
-            <a:ext cx="7924800" cy="6186309"/>
+            <a:ext cx="7924800" cy="6463308"/>
           </a:xfrm>
           <a:prstGeom prst="rect">
             <a:avLst/>
@@ -7788,30 +7972,69 @@
           </a:p>
           <a:p>
             <a:r>
+              <a:rPr lang="en-US" b="1" smtClean="0">
+                <a:solidFill>
+                  <a:schemeClr val="tx2"/>
+                </a:solidFill>
+              </a:rPr>
+              <a:t>( full </a:t>
+            </a:r>
+            <a:r>
               <a:rPr lang="en-US" b="1" dirty="0" smtClean="0">
                 <a:solidFill>
                   <a:schemeClr val="tx2"/>
                 </a:solidFill>
               </a:rPr>
-              <a:t>(full results at </a:t>
-            </a:r>
-            <a:r>
-              <a:rPr lang="en-US" b="1" dirty="0" smtClean="0">
+              <a:t>results </a:t>
+            </a:r>
+            <a:r>
+              <a:rPr lang="en-US" b="1" smtClean="0">
                 <a:solidFill>
                   <a:schemeClr val="tx2"/>
                 </a:solidFill>
+              </a:rPr>
+              <a:t>at </a:t>
+            </a:r>
+            <a:r>
+              <a:rPr lang="en-US" b="1">
+                <a:solidFill>
+                  <a:schemeClr val="tx2"/>
+                </a:solidFill>
                 <a:hlinkClick r:id="rId3"/>
               </a:rPr>
-              <a:t>https://github.com/Cotton-Ben/infinispan-quickstart</a:t>
-            </a:r>
-            <a:r>
-              <a:rPr lang="en-US" b="1" dirty="0" smtClean="0">
+              <a:t>https</a:t>
+            </a:r>
+            <a:r>
+              <a:rPr lang="en-US" b="1">
                 <a:solidFill>
                   <a:schemeClr val="tx2"/>
                 </a:solidFill>
+                <a:hlinkClick r:id="rId3"/>
+              </a:rPr>
+              <a:t>://</a:t>
+            </a:r>
+            <a:r>
+              <a:rPr lang="en-US" b="1" smtClean="0">
+                <a:solidFill>
+                  <a:schemeClr val="tx2"/>
+                </a:solidFill>
+                <a:hlinkClick r:id="rId3"/>
+              </a:rPr>
+              <a:t>github.com/Cotton-Ben/infinispan-quickstart/tree/master/clustered-cache</a:t>
+            </a:r>
+            <a:r>
+              <a:rPr lang="en-US" b="1" smtClean="0">
+                <a:solidFill>
+                  <a:schemeClr val="tx2"/>
+                </a:solidFill>
               </a:rPr>
               <a:t> )</a:t>
             </a:r>
+            <a:endParaRPr lang="en-US" b="1" dirty="0" smtClean="0">
+              <a:solidFill>
+                <a:schemeClr val="tx2"/>
+              </a:solidFill>
+            </a:endParaRPr>
           </a:p>
           <a:p>
             <a:endParaRPr lang="en-US" dirty="0" smtClean="0"/>
@@ -7823,6 +8046,13 @@
   <p:clrMapOvr>
     <a:masterClrMapping/>
   </p:clrMapOvr>
+  <p:timing>
+    <p:tnLst>
+      <p:par>
+        <p:cTn id="1" dur="indefinite" restart="never" nodeType="tmRoot"/>
+      </p:par>
+    </p:tnLst>
+  </p:timing>
 </p:sld>
 </file>
 
@@ -7936,6 +8166,13 @@
   <p:clrMapOvr>
     <a:masterClrMapping/>
   </p:clrMapOvr>
+  <p:timing>
+    <p:tnLst>
+      <p:par>
+        <p:cTn id="1" dur="indefinite" restart="never" nodeType="tmRoot"/>
+      </p:par>
+    </p:tnLst>
+  </p:timing>
 </p:sld>
 </file>
 
@@ -8115,11 +8352,7 @@
             </a:r>
             <a:r>
               <a:rPr lang="en-US" dirty="0" smtClean="0"/>
-              <a:t> SHM </a:t>
-            </a:r>
-            <a:r>
-              <a:rPr lang="en-US" dirty="0" smtClean="0"/>
-              <a:t>as </a:t>
+              <a:t> SHM as </a:t>
             </a:r>
             <a:r>
               <a:rPr lang="en-US" dirty="0" err="1" smtClean="0"/>
@@ -8127,11 +8360,7 @@
             </a:r>
             <a:r>
               <a:rPr lang="en-US" dirty="0" smtClean="0"/>
-              <a:t> </a:t>
-            </a:r>
-            <a:r>
-              <a:rPr lang="en-US" dirty="0" smtClean="0"/>
-              <a:t>JDG interoperable JSR-107 Cache&lt;K,V&gt;.  </a:t>
+              <a:t> JDG interoperable JSR-107 Cache&lt;K,V&gt;.  </a:t>
             </a:r>
             <a:r>
               <a:rPr lang="en-US" dirty="0" err="1" smtClean="0"/>
@@ -8254,6 +8483,13 @@
   <p:clrMapOvr>
     <a:masterClrMapping/>
   </p:clrMapOvr>
+  <p:timing>
+    <p:tnLst>
+      <p:par>
+        <p:cTn id="1" dur="indefinite" restart="never" nodeType="tmRoot"/>
+      </p:par>
+    </p:tnLst>
+  </p:timing>
 </p:sld>
 </file>
 
@@ -8400,6 +8636,13 @@
   <p:clrMapOvr>
     <a:masterClrMapping/>
   </p:clrMapOvr>
+  <p:timing>
+    <p:tnLst>
+      <p:par>
+        <p:cTn id="1" dur="indefinite" restart="never" nodeType="tmRoot"/>
+      </p:par>
+    </p:tnLst>
+  </p:timing>
 </p:sld>
 </file>
 
@@ -8678,6 +8921,13 @@
   <p:clrMapOvr>
     <a:masterClrMapping/>
   </p:clrMapOvr>
+  <p:timing>
+    <p:tnLst>
+      <p:par>
+        <p:cTn id="1" dur="indefinite" restart="never" nodeType="tmRoot"/>
+      </p:par>
+    </p:tnLst>
+  </p:timing>
 </p:sld>
 </file>
 
@@ -9049,6 +9299,13 @@
   <p:clrMapOvr>
     <a:masterClrMapping/>
   </p:clrMapOvr>
+  <p:timing>
+    <p:tnLst>
+      <p:par>
+        <p:cTn id="1" dur="indefinite" restart="never" nodeType="tmRoot"/>
+      </p:par>
+    </p:tnLst>
+  </p:timing>
 </p:sld>
 </file>
 
@@ -9198,7 +9455,6 @@
               <a:rPr lang="en-US" dirty="0" smtClean="0"/>
               <a:t>Capabilities.</a:t>
             </a:r>
-            <a:endParaRPr lang="en-US" dirty="0" smtClean="0"/>
           </a:p>
           <a:p>
             <a:endParaRPr lang="en-US" b="1" dirty="0"/>
@@ -9240,6 +9496,13 @@
   <p:clrMapOvr>
     <a:masterClrMapping/>
   </p:clrMapOvr>
+  <p:timing>
+    <p:tnLst>
+      <p:par>
+        <p:cTn id="1" dur="indefinite" restart="never" nodeType="tmRoot"/>
+      </p:par>
+    </p:tnLst>
+  </p:timing>
 </p:sld>
 </file>
 
@@ -9351,6 +9614,13 @@
   <p:clrMapOvr>
     <a:masterClrMapping/>
   </p:clrMapOvr>
+  <p:timing>
+    <p:tnLst>
+      <p:par>
+        <p:cTn id="1" dur="indefinite" restart="never" nodeType="tmRoot"/>
+      </p:par>
+    </p:tnLst>
+  </p:timing>
 </p:sld>
 </file>
 
@@ -9460,6 +9730,13 @@
   <p:clrMapOvr>
     <a:masterClrMapping/>
   </p:clrMapOvr>
+  <p:timing>
+    <p:tnLst>
+      <p:par>
+        <p:cTn id="1" dur="indefinite" restart="never" nodeType="tmRoot"/>
+      </p:par>
+    </p:tnLst>
+  </p:timing>
 </p:sld>
 </file>
 
@@ -9577,6 +9854,13 @@
   <p:clrMapOvr>
     <a:masterClrMapping/>
   </p:clrMapOvr>
+  <p:timing>
+    <p:tnLst>
+      <p:par>
+        <p:cTn id="1" dur="indefinite" restart="never" nodeType="tmRoot"/>
+      </p:par>
+    </p:tnLst>
+  </p:timing>
 </p:sld>
 </file>
 

--- a/doc/OpenHFT-presented-2Java-SIG-Nov-13-AND-HZ-Nov-18pptx.pptx
+++ b/doc/OpenHFT-presented-2Java-SIG-Nov-13-AND-HZ-Nov-18pptx.pptx
@@ -324,7 +324,8 @@
           <a:p>
             <a:fld id="{89B0FE96-598B-4805-8453-C8BAF5D5A077}" type="datetimeFigureOut">
               <a:rPr lang="en-US" smtClean="0"/>
-              <a:t>8/29/2014</a:t>
+              <a:pPr/>
+              <a:t>10/14/2014</a:t>
             </a:fld>
             <a:endParaRPr lang="en-US"/>
           </a:p>
@@ -366,6 +367,7 @@
           <a:p>
             <a:fld id="{F972421F-AEC5-490B-A561-5FE0411591A4}" type="slidenum">
               <a:rPr lang="en-US" smtClean="0"/>
+              <a:pPr/>
               <a:t>‹#›</a:t>
             </a:fld>
             <a:endParaRPr lang="en-US"/>
@@ -489,7 +491,8 @@
           <a:p>
             <a:fld id="{89B0FE96-598B-4805-8453-C8BAF5D5A077}" type="datetimeFigureOut">
               <a:rPr lang="en-US" smtClean="0"/>
-              <a:t>8/29/2014</a:t>
+              <a:pPr/>
+              <a:t>10/14/2014</a:t>
             </a:fld>
             <a:endParaRPr lang="en-US"/>
           </a:p>
@@ -531,6 +534,7 @@
           <a:p>
             <a:fld id="{F972421F-AEC5-490B-A561-5FE0411591A4}" type="slidenum">
               <a:rPr lang="en-US" smtClean="0"/>
+              <a:pPr/>
               <a:t>‹#›</a:t>
             </a:fld>
             <a:endParaRPr lang="en-US"/>
@@ -664,7 +668,8 @@
           <a:p>
             <a:fld id="{89B0FE96-598B-4805-8453-C8BAF5D5A077}" type="datetimeFigureOut">
               <a:rPr lang="en-US" smtClean="0"/>
-              <a:t>8/29/2014</a:t>
+              <a:pPr/>
+              <a:t>10/14/2014</a:t>
             </a:fld>
             <a:endParaRPr lang="en-US"/>
           </a:p>
@@ -706,6 +711,7 @@
           <a:p>
             <a:fld id="{F972421F-AEC5-490B-A561-5FE0411591A4}" type="slidenum">
               <a:rPr lang="en-US" smtClean="0"/>
+              <a:pPr/>
               <a:t>‹#›</a:t>
             </a:fld>
             <a:endParaRPr lang="en-US"/>
@@ -829,7 +835,8 @@
           <a:p>
             <a:fld id="{89B0FE96-598B-4805-8453-C8BAF5D5A077}" type="datetimeFigureOut">
               <a:rPr lang="en-US" smtClean="0"/>
-              <a:t>8/29/2014</a:t>
+              <a:pPr/>
+              <a:t>10/14/2014</a:t>
             </a:fld>
             <a:endParaRPr lang="en-US"/>
           </a:p>
@@ -871,6 +878,7 @@
           <a:p>
             <a:fld id="{F972421F-AEC5-490B-A561-5FE0411591A4}" type="slidenum">
               <a:rPr lang="en-US" smtClean="0"/>
+              <a:pPr/>
               <a:t>‹#›</a:t>
             </a:fld>
             <a:endParaRPr lang="en-US"/>
@@ -1070,7 +1078,8 @@
           <a:p>
             <a:fld id="{89B0FE96-598B-4805-8453-C8BAF5D5A077}" type="datetimeFigureOut">
               <a:rPr lang="en-US" smtClean="0"/>
-              <a:t>8/29/2014</a:t>
+              <a:pPr/>
+              <a:t>10/14/2014</a:t>
             </a:fld>
             <a:endParaRPr lang="en-US"/>
           </a:p>
@@ -1112,6 +1121,7 @@
           <a:p>
             <a:fld id="{F972421F-AEC5-490B-A561-5FE0411591A4}" type="slidenum">
               <a:rPr lang="en-US" smtClean="0"/>
+              <a:pPr/>
               <a:t>‹#›</a:t>
             </a:fld>
             <a:endParaRPr lang="en-US"/>
@@ -1353,7 +1363,8 @@
           <a:p>
             <a:fld id="{89B0FE96-598B-4805-8453-C8BAF5D5A077}" type="datetimeFigureOut">
               <a:rPr lang="en-US" smtClean="0"/>
-              <a:t>8/29/2014</a:t>
+              <a:pPr/>
+              <a:t>10/14/2014</a:t>
             </a:fld>
             <a:endParaRPr lang="en-US"/>
           </a:p>
@@ -1395,6 +1406,7 @@
           <a:p>
             <a:fld id="{F972421F-AEC5-490B-A561-5FE0411591A4}" type="slidenum">
               <a:rPr lang="en-US" smtClean="0"/>
+              <a:pPr/>
               <a:t>‹#›</a:t>
             </a:fld>
             <a:endParaRPr lang="en-US"/>
@@ -1770,7 +1782,8 @@
           <a:p>
             <a:fld id="{89B0FE96-598B-4805-8453-C8BAF5D5A077}" type="datetimeFigureOut">
               <a:rPr lang="en-US" smtClean="0"/>
-              <a:t>8/29/2014</a:t>
+              <a:pPr/>
+              <a:t>10/14/2014</a:t>
             </a:fld>
             <a:endParaRPr lang="en-US"/>
           </a:p>
@@ -1812,6 +1825,7 @@
           <a:p>
             <a:fld id="{F972421F-AEC5-490B-A561-5FE0411591A4}" type="slidenum">
               <a:rPr lang="en-US" smtClean="0"/>
+              <a:pPr/>
               <a:t>‹#›</a:t>
             </a:fld>
             <a:endParaRPr lang="en-US"/>
@@ -1883,7 +1897,8 @@
           <a:p>
             <a:fld id="{89B0FE96-598B-4805-8453-C8BAF5D5A077}" type="datetimeFigureOut">
               <a:rPr lang="en-US" smtClean="0"/>
-              <a:t>8/29/2014</a:t>
+              <a:pPr/>
+              <a:t>10/14/2014</a:t>
             </a:fld>
             <a:endParaRPr lang="en-US"/>
           </a:p>
@@ -1925,6 +1940,7 @@
           <a:p>
             <a:fld id="{F972421F-AEC5-490B-A561-5FE0411591A4}" type="slidenum">
               <a:rPr lang="en-US" smtClean="0"/>
+              <a:pPr/>
               <a:t>‹#›</a:t>
             </a:fld>
             <a:endParaRPr lang="en-US"/>
@@ -1973,7 +1989,8 @@
           <a:p>
             <a:fld id="{89B0FE96-598B-4805-8453-C8BAF5D5A077}" type="datetimeFigureOut">
               <a:rPr lang="en-US" smtClean="0"/>
-              <a:t>8/29/2014</a:t>
+              <a:pPr/>
+              <a:t>10/14/2014</a:t>
             </a:fld>
             <a:endParaRPr lang="en-US"/>
           </a:p>
@@ -2015,6 +2032,7 @@
           <a:p>
             <a:fld id="{F972421F-AEC5-490B-A561-5FE0411591A4}" type="slidenum">
               <a:rPr lang="en-US" smtClean="0"/>
+              <a:pPr/>
               <a:t>‹#›</a:t>
             </a:fld>
             <a:endParaRPr lang="en-US"/>
@@ -2245,7 +2263,8 @@
           <a:p>
             <a:fld id="{89B0FE96-598B-4805-8453-C8BAF5D5A077}" type="datetimeFigureOut">
               <a:rPr lang="en-US" smtClean="0"/>
-              <a:t>8/29/2014</a:t>
+              <a:pPr/>
+              <a:t>10/14/2014</a:t>
             </a:fld>
             <a:endParaRPr lang="en-US"/>
           </a:p>
@@ -2287,6 +2306,7 @@
           <a:p>
             <a:fld id="{F972421F-AEC5-490B-A561-5FE0411591A4}" type="slidenum">
               <a:rPr lang="en-US" smtClean="0"/>
+              <a:pPr/>
               <a:t>‹#›</a:t>
             </a:fld>
             <a:endParaRPr lang="en-US"/>
@@ -2493,7 +2513,8 @@
           <a:p>
             <a:fld id="{89B0FE96-598B-4805-8453-C8BAF5D5A077}" type="datetimeFigureOut">
               <a:rPr lang="en-US" smtClean="0"/>
-              <a:t>8/29/2014</a:t>
+              <a:pPr/>
+              <a:t>10/14/2014</a:t>
             </a:fld>
             <a:endParaRPr lang="en-US"/>
           </a:p>
@@ -2535,6 +2556,7 @@
           <a:p>
             <a:fld id="{F972421F-AEC5-490B-A561-5FE0411591A4}" type="slidenum">
               <a:rPr lang="en-US" smtClean="0"/>
+              <a:pPr/>
               <a:t>‹#›</a:t>
             </a:fld>
             <a:endParaRPr lang="en-US"/>
@@ -2701,7 +2723,8 @@
           <a:p>
             <a:fld id="{89B0FE96-598B-4805-8453-C8BAF5D5A077}" type="datetimeFigureOut">
               <a:rPr lang="en-US" smtClean="0"/>
-              <a:t>8/29/2014</a:t>
+              <a:pPr/>
+              <a:t>10/14/2014</a:t>
             </a:fld>
             <a:endParaRPr lang="en-US"/>
           </a:p>
@@ -2779,6 +2802,7 @@
           <a:p>
             <a:fld id="{F972421F-AEC5-490B-A561-5FE0411591A4}" type="slidenum">
               <a:rPr lang="en-US" smtClean="0"/>
+              <a:pPr/>
               <a:t>‹#›</a:t>
             </a:fld>
             <a:endParaRPr lang="en-US"/>
@@ -3147,13 +3171,13 @@
       </p:sp>
       <p:sp>
         <p:nvSpPr>
-          <p:cNvPr id="7" name="TextBox 6"/>
+          <p:cNvPr id="8" name="TextBox 7"/>
           <p:cNvSpPr txBox="1"/>
           <p:nvPr/>
         </p:nvSpPr>
         <p:spPr>
           <a:xfrm>
-            <a:off x="152400" y="6096000"/>
+            <a:off x="2819400" y="4191000"/>
             <a:ext cx="3962400" cy="923330"/>
           </a:xfrm>
           <a:prstGeom prst="rect">
@@ -3168,12 +3192,9 @@
           <a:lstStyle/>
           <a:p>
             <a:r>
-              <a:rPr lang="en-US" dirty="0" smtClean="0">
-                <a:hlinkClick r:id="rId3"/>
-              </a:rPr>
+              <a:rPr lang="en-US" dirty="0" smtClean="0"/>
               <a:t>Ben.Cotton@jpmorgan.com</a:t>
             </a:r>
-            <a:endParaRPr lang="en-US" dirty="0" smtClean="0"/>
           </a:p>
           <a:p>
             <a:r>
@@ -3186,6 +3207,116 @@
           </a:p>
         </p:txBody>
       </p:sp>
+      <p:pic>
+        <p:nvPicPr>
+          <p:cNvPr id="37890" name="Picture 2" descr="OpenHFT"/>
+          <p:cNvPicPr>
+            <a:picLocks noChangeAspect="1" noChangeArrowheads="1"/>
+          </p:cNvPicPr>
+          <p:nvPr/>
+        </p:nvPicPr>
+        <p:blipFill>
+          <a:blip r:embed="rId3" cstate="print"/>
+          <a:srcRect/>
+          <a:stretch>
+            <a:fillRect/>
+          </a:stretch>
+        </p:blipFill>
+        <p:spPr bwMode="auto">
+          <a:xfrm>
+            <a:off x="155575" y="-350838"/>
+            <a:ext cx="3276600" cy="742951"/>
+          </a:xfrm>
+          <a:prstGeom prst="rect">
+            <a:avLst/>
+          </a:prstGeom>
+          <a:noFill/>
+        </p:spPr>
+      </p:pic>
+      <p:pic>
+        <p:nvPicPr>
+          <p:cNvPr id="37892" name="Picture 4" descr="OpenHFT"/>
+          <p:cNvPicPr>
+            <a:picLocks noChangeAspect="1" noChangeArrowheads="1"/>
+          </p:cNvPicPr>
+          <p:nvPr/>
+        </p:nvPicPr>
+        <p:blipFill>
+          <a:blip r:embed="rId3" cstate="print"/>
+          <a:srcRect/>
+          <a:stretch>
+            <a:fillRect/>
+          </a:stretch>
+        </p:blipFill>
+        <p:spPr bwMode="auto">
+          <a:xfrm>
+            <a:off x="155575" y="-350838"/>
+            <a:ext cx="3276600" cy="742951"/>
+          </a:xfrm>
+          <a:prstGeom prst="rect">
+            <a:avLst/>
+          </a:prstGeom>
+          <a:noFill/>
+        </p:spPr>
+      </p:pic>
+      <p:pic>
+        <p:nvPicPr>
+          <p:cNvPr id="37894" name="Picture 6" descr="OpenHFT"/>
+          <p:cNvPicPr>
+            <a:picLocks noChangeAspect="1" noChangeArrowheads="1"/>
+          </p:cNvPicPr>
+          <p:nvPr/>
+        </p:nvPicPr>
+        <p:blipFill>
+          <a:blip r:embed="rId3" cstate="print"/>
+          <a:srcRect/>
+          <a:stretch>
+            <a:fillRect/>
+          </a:stretch>
+        </p:blipFill>
+        <p:spPr bwMode="auto">
+          <a:xfrm>
+            <a:off x="155575" y="-350838"/>
+            <a:ext cx="3276600" cy="742951"/>
+          </a:xfrm>
+          <a:prstGeom prst="rect">
+            <a:avLst/>
+          </a:prstGeom>
+          <a:noFill/>
+        </p:spPr>
+      </p:pic>
+      <p:pic>
+        <p:nvPicPr>
+          <p:cNvPr id="37895" name="Picture 7"/>
+          <p:cNvPicPr>
+            <a:picLocks noChangeAspect="1" noChangeArrowheads="1"/>
+          </p:cNvPicPr>
+          <p:nvPr/>
+        </p:nvPicPr>
+        <p:blipFill>
+          <a:blip r:embed="rId4" cstate="print"/>
+          <a:srcRect/>
+          <a:stretch>
+            <a:fillRect/>
+          </a:stretch>
+        </p:blipFill>
+        <p:spPr bwMode="auto">
+          <a:xfrm>
+            <a:off x="304800" y="5867400"/>
+            <a:ext cx="3514725" cy="842611"/>
+          </a:xfrm>
+          <a:prstGeom prst="rect">
+            <a:avLst/>
+          </a:prstGeom>
+          <a:noFill/>
+          <a:ln w="9525">
+            <a:noFill/>
+            <a:miter lim="800000"/>
+            <a:headEnd/>
+            <a:tailEnd/>
+          </a:ln>
+        </p:spPr>
+      </p:pic>
     </p:spTree>
   </p:cSld>
   <p:clrMapOvr>
@@ -3266,6 +3397,38 @@
             <a:avLst/>
           </a:prstGeom>
           <a:noFill/>
+        </p:spPr>
+      </p:pic>
+      <p:pic>
+        <p:nvPicPr>
+          <p:cNvPr id="4" name="Picture 1"/>
+          <p:cNvPicPr>
+            <a:picLocks noChangeAspect="1" noChangeArrowheads="1"/>
+          </p:cNvPicPr>
+          <p:nvPr/>
+        </p:nvPicPr>
+        <p:blipFill>
+          <a:blip r:embed="rId4" cstate="print"/>
+          <a:srcRect/>
+          <a:stretch>
+            <a:fillRect/>
+          </a:stretch>
+        </p:blipFill>
+        <p:spPr bwMode="auto">
+          <a:xfrm>
+            <a:off x="228600" y="6400800"/>
+            <a:ext cx="1271392" cy="304800"/>
+          </a:xfrm>
+          <a:prstGeom prst="rect">
+            <a:avLst/>
+          </a:prstGeom>
+          <a:noFill/>
+          <a:ln w="9525">
+            <a:noFill/>
+            <a:miter lim="800000"/>
+            <a:headEnd/>
+            <a:tailEnd/>
+          </a:ln>
         </p:spPr>
       </p:pic>
     </p:spTree>
@@ -3350,6 +3513,38 @@
           </a:prstGeom>
         </p:spPr>
       </p:pic>
+      <p:pic>
+        <p:nvPicPr>
+          <p:cNvPr id="4" name="Picture 1"/>
+          <p:cNvPicPr>
+            <a:picLocks noChangeAspect="1" noChangeArrowheads="1"/>
+          </p:cNvPicPr>
+          <p:nvPr/>
+        </p:nvPicPr>
+        <p:blipFill>
+          <a:blip r:embed="rId4" cstate="print"/>
+          <a:srcRect/>
+          <a:stretch>
+            <a:fillRect/>
+          </a:stretch>
+        </p:blipFill>
+        <p:spPr bwMode="auto">
+          <a:xfrm>
+            <a:off x="228600" y="6400800"/>
+            <a:ext cx="1271392" cy="304800"/>
+          </a:xfrm>
+          <a:prstGeom prst="rect">
+            <a:avLst/>
+          </a:prstGeom>
+          <a:noFill/>
+          <a:ln w="9525">
+            <a:noFill/>
+            <a:miter lim="800000"/>
+            <a:headEnd/>
+            <a:tailEnd/>
+          </a:ln>
+        </p:spPr>
+      </p:pic>
     </p:spTree>
   </p:cSld>
   <p:clrMapOvr>
@@ -3466,6 +3661,38 @@
           <a:prstGeom prst="rect">
             <a:avLst/>
           </a:prstGeom>
+        </p:spPr>
+      </p:pic>
+      <p:pic>
+        <p:nvPicPr>
+          <p:cNvPr id="5" name="Picture 1"/>
+          <p:cNvPicPr>
+            <a:picLocks noChangeAspect="1" noChangeArrowheads="1"/>
+          </p:cNvPicPr>
+          <p:nvPr/>
+        </p:nvPicPr>
+        <p:blipFill>
+          <a:blip r:embed="rId4" cstate="print"/>
+          <a:srcRect/>
+          <a:stretch>
+            <a:fillRect/>
+          </a:stretch>
+        </p:blipFill>
+        <p:spPr bwMode="auto">
+          <a:xfrm>
+            <a:off x="228600" y="6400800"/>
+            <a:ext cx="1271392" cy="304800"/>
+          </a:xfrm>
+          <a:prstGeom prst="rect">
+            <a:avLst/>
+          </a:prstGeom>
+          <a:noFill/>
+          <a:ln w="9525">
+            <a:noFill/>
+            <a:miter lim="800000"/>
+            <a:headEnd/>
+            <a:tailEnd/>
+          </a:ln>
         </p:spPr>
       </p:pic>
     </p:spTree>
@@ -3600,6 +3827,148 @@
           </a:prstGeom>
         </p:spPr>
       </p:pic>
+      <p:pic>
+        <p:nvPicPr>
+          <p:cNvPr id="5" name="Picture 1"/>
+          <p:cNvPicPr>
+            <a:picLocks noChangeAspect="1" noChangeArrowheads="1"/>
+          </p:cNvPicPr>
+          <p:nvPr/>
+        </p:nvPicPr>
+        <p:blipFill>
+          <a:blip r:embed="rId4" cstate="print"/>
+          <a:srcRect/>
+          <a:stretch>
+            <a:fillRect/>
+          </a:stretch>
+        </p:blipFill>
+        <p:spPr bwMode="auto">
+          <a:xfrm>
+            <a:off x="228600" y="6400800"/>
+            <a:ext cx="1271392" cy="304800"/>
+          </a:xfrm>
+          <a:prstGeom prst="rect">
+            <a:avLst/>
+          </a:prstGeom>
+          <a:noFill/>
+          <a:ln w="9525">
+            <a:noFill/>
+            <a:miter lim="800000"/>
+            <a:headEnd/>
+            <a:tailEnd/>
+          </a:ln>
+        </p:spPr>
+      </p:pic>
+      <p:pic>
+        <p:nvPicPr>
+          <p:cNvPr id="25601" name="Picture 1"/>
+          <p:cNvPicPr>
+            <a:picLocks noChangeAspect="1" noChangeArrowheads="1"/>
+          </p:cNvPicPr>
+          <p:nvPr/>
+        </p:nvPicPr>
+        <p:blipFill>
+          <a:blip r:embed="rId5" cstate="print"/>
+          <a:srcRect/>
+          <a:stretch>
+            <a:fillRect/>
+          </a:stretch>
+        </p:blipFill>
+        <p:spPr bwMode="auto">
+          <a:xfrm>
+            <a:off x="2514600" y="3200400"/>
+            <a:ext cx="762000" cy="351692"/>
+          </a:xfrm>
+          <a:prstGeom prst="rect">
+            <a:avLst/>
+          </a:prstGeom>
+          <a:noFill/>
+          <a:ln w="9525">
+            <a:noFill/>
+            <a:miter lim="800000"/>
+            <a:headEnd/>
+            <a:tailEnd/>
+          </a:ln>
+        </p:spPr>
+      </p:pic>
+      <p:pic>
+        <p:nvPicPr>
+          <p:cNvPr id="25603" name="Picture 3" descr="ChronicleMap_100px_Rev2"/>
+          <p:cNvPicPr>
+            <a:picLocks noChangeAspect="1" noChangeArrowheads="1"/>
+          </p:cNvPicPr>
+          <p:nvPr/>
+        </p:nvPicPr>
+        <p:blipFill>
+          <a:blip r:embed="rId6" cstate="print"/>
+          <a:srcRect/>
+          <a:stretch>
+            <a:fillRect/>
+          </a:stretch>
+        </p:blipFill>
+        <p:spPr bwMode="auto">
+          <a:xfrm>
+            <a:off x="1981200" y="3352800"/>
+            <a:ext cx="495300" cy="723900"/>
+          </a:xfrm>
+          <a:prstGeom prst="rect">
+            <a:avLst/>
+          </a:prstGeom>
+          <a:noFill/>
+        </p:spPr>
+      </p:pic>
+      <p:pic>
+        <p:nvPicPr>
+          <p:cNvPr id="25605" name="Picture 5" descr="ChronicleMap_100px_Rev2"/>
+          <p:cNvPicPr>
+            <a:picLocks noChangeAspect="1" noChangeArrowheads="1"/>
+          </p:cNvPicPr>
+          <p:nvPr/>
+        </p:nvPicPr>
+        <p:blipFill>
+          <a:blip r:embed="rId6" cstate="print"/>
+          <a:srcRect/>
+          <a:stretch>
+            <a:fillRect/>
+          </a:stretch>
+        </p:blipFill>
+        <p:spPr bwMode="auto">
+          <a:xfrm>
+            <a:off x="6096000" y="3200400"/>
+            <a:ext cx="457200" cy="952500"/>
+          </a:xfrm>
+          <a:prstGeom prst="rect">
+            <a:avLst/>
+          </a:prstGeom>
+          <a:noFill/>
+        </p:spPr>
+      </p:pic>
+      <p:pic>
+        <p:nvPicPr>
+          <p:cNvPr id="25607" name="Picture 7" descr="ChronicleMap_100px_Rev2"/>
+          <p:cNvPicPr>
+            <a:picLocks noChangeAspect="1" noChangeArrowheads="1"/>
+          </p:cNvPicPr>
+          <p:nvPr/>
+        </p:nvPicPr>
+        <p:blipFill>
+          <a:blip r:embed="rId6" cstate="print"/>
+          <a:srcRect/>
+          <a:stretch>
+            <a:fillRect/>
+          </a:stretch>
+        </p:blipFill>
+        <p:spPr bwMode="auto">
+          <a:xfrm>
+            <a:off x="3505200" y="4267200"/>
+            <a:ext cx="647700" cy="533400"/>
+          </a:xfrm>
+          <a:prstGeom prst="rect">
+            <a:avLst/>
+          </a:prstGeom>
+          <a:noFill/>
+        </p:spPr>
+      </p:pic>
     </p:spTree>
   </p:cSld>
   <p:clrMapOvr>
@@ -3722,6 +4091,38 @@
           </a:p>
         </p:txBody>
       </p:sp>
+      <p:pic>
+        <p:nvPicPr>
+          <p:cNvPr id="6" name="Picture 1"/>
+          <p:cNvPicPr>
+            <a:picLocks noChangeAspect="1" noChangeArrowheads="1"/>
+          </p:cNvPicPr>
+          <p:nvPr/>
+        </p:nvPicPr>
+        <p:blipFill>
+          <a:blip r:embed="rId4" cstate="print"/>
+          <a:srcRect/>
+          <a:stretch>
+            <a:fillRect/>
+          </a:stretch>
+        </p:blipFill>
+        <p:spPr bwMode="auto">
+          <a:xfrm>
+            <a:off x="228600" y="6400800"/>
+            <a:ext cx="1271392" cy="304800"/>
+          </a:xfrm>
+          <a:prstGeom prst="rect">
+            <a:avLst/>
+          </a:prstGeom>
+          <a:noFill/>
+          <a:ln w="9525">
+            <a:noFill/>
+            <a:miter lim="800000"/>
+            <a:headEnd/>
+            <a:tailEnd/>
+          </a:ln>
+        </p:spPr>
+      </p:pic>
     </p:spTree>
   </p:cSld>
   <p:clrMapOvr>
@@ -3844,6 +4245,38 @@
           </a:p>
         </p:txBody>
       </p:sp>
+      <p:pic>
+        <p:nvPicPr>
+          <p:cNvPr id="5" name="Picture 1"/>
+          <p:cNvPicPr>
+            <a:picLocks noChangeAspect="1" noChangeArrowheads="1"/>
+          </p:cNvPicPr>
+          <p:nvPr/>
+        </p:nvPicPr>
+        <p:blipFill>
+          <a:blip r:embed="rId4" cstate="print"/>
+          <a:srcRect/>
+          <a:stretch>
+            <a:fillRect/>
+          </a:stretch>
+        </p:blipFill>
+        <p:spPr bwMode="auto">
+          <a:xfrm>
+            <a:off x="228600" y="6400800"/>
+            <a:ext cx="1271392" cy="304800"/>
+          </a:xfrm>
+          <a:prstGeom prst="rect">
+            <a:avLst/>
+          </a:prstGeom>
+          <a:noFill/>
+          <a:ln w="9525">
+            <a:noFill/>
+            <a:miter lim="800000"/>
+            <a:headEnd/>
+            <a:tailEnd/>
+          </a:ln>
+        </p:spPr>
+      </p:pic>
     </p:spTree>
   </p:cSld>
   <p:clrMapOvr>
@@ -3960,6 +4393,98 @@
           </a:prstGeom>
         </p:spPr>
       </p:pic>
+      <p:pic>
+        <p:nvPicPr>
+          <p:cNvPr id="5" name="Picture 1"/>
+          <p:cNvPicPr>
+            <a:picLocks noChangeAspect="1" noChangeArrowheads="1"/>
+          </p:cNvPicPr>
+          <p:nvPr/>
+        </p:nvPicPr>
+        <p:blipFill>
+          <a:blip r:embed="rId4" cstate="print"/>
+          <a:srcRect/>
+          <a:stretch>
+            <a:fillRect/>
+          </a:stretch>
+        </p:blipFill>
+        <p:spPr bwMode="auto">
+          <a:xfrm>
+            <a:off x="228600" y="6400800"/>
+            <a:ext cx="1271392" cy="304800"/>
+          </a:xfrm>
+          <a:prstGeom prst="rect">
+            <a:avLst/>
+          </a:prstGeom>
+          <a:noFill/>
+          <a:ln w="9525">
+            <a:noFill/>
+            <a:miter lim="800000"/>
+            <a:headEnd/>
+            <a:tailEnd/>
+          </a:ln>
+        </p:spPr>
+      </p:pic>
+      <p:pic>
+        <p:nvPicPr>
+          <p:cNvPr id="22530" name="Picture 2" descr="ChronicleMap_100px_Rev2"/>
+          <p:cNvPicPr>
+            <a:picLocks noChangeAspect="1" noChangeArrowheads="1"/>
+          </p:cNvPicPr>
+          <p:nvPr/>
+        </p:nvPicPr>
+        <p:blipFill>
+          <a:blip r:embed="rId5" cstate="print"/>
+          <a:srcRect/>
+          <a:stretch>
+            <a:fillRect/>
+          </a:stretch>
+        </p:blipFill>
+        <p:spPr bwMode="auto">
+          <a:xfrm>
+            <a:off x="3733800" y="1905000"/>
+            <a:ext cx="952500" cy="914400"/>
+          </a:xfrm>
+          <a:prstGeom prst="rect">
+            <a:avLst/>
+          </a:prstGeom>
+          <a:noFill/>
+        </p:spPr>
+      </p:pic>
+      <p:sp>
+        <p:nvSpPr>
+          <p:cNvPr id="7" name="TextBox 6"/>
+          <p:cNvSpPr txBox="1"/>
+          <p:nvPr/>
+        </p:nvSpPr>
+        <p:spPr>
+          <a:xfrm>
+            <a:off x="4800600" y="2286000"/>
+            <a:ext cx="3581400" cy="307777"/>
+          </a:xfrm>
+          <a:prstGeom prst="rect">
+            <a:avLst/>
+          </a:prstGeom>
+          <a:noFill/>
+        </p:spPr>
+        <p:txBody>
+          <a:bodyPr wrap="square" rtlCol="0">
+            <a:spAutoFit/>
+          </a:bodyPr>
+          <a:lstStyle/>
+          <a:p>
+            <a:r>
+              <a:rPr lang="en-US" sz="1400" dirty="0" err="1" smtClean="0"/>
+              <a:t>net.openhft.collections.SharedHashMap</a:t>
+            </a:r>
+            <a:r>
+              <a:rPr lang="en-US" sz="1400" dirty="0" smtClean="0"/>
+              <a:t>&lt;K,V&gt;</a:t>
+            </a:r>
+            <a:endParaRPr lang="en-US" sz="1400" dirty="0"/>
+          </a:p>
+        </p:txBody>
+      </p:sp>
     </p:spTree>
   </p:cSld>
   <p:clrMapOvr>
@@ -4080,6 +4605,38 @@
           <a:prstGeom prst="rect">
             <a:avLst/>
           </a:prstGeom>
+        </p:spPr>
+      </p:pic>
+      <p:pic>
+        <p:nvPicPr>
+          <p:cNvPr id="5" name="Picture 1"/>
+          <p:cNvPicPr>
+            <a:picLocks noChangeAspect="1" noChangeArrowheads="1"/>
+          </p:cNvPicPr>
+          <p:nvPr/>
+        </p:nvPicPr>
+        <p:blipFill>
+          <a:blip r:embed="rId4" cstate="print"/>
+          <a:srcRect/>
+          <a:stretch>
+            <a:fillRect/>
+          </a:stretch>
+        </p:blipFill>
+        <p:spPr bwMode="auto">
+          <a:xfrm>
+            <a:off x="228600" y="6400800"/>
+            <a:ext cx="1271392" cy="304800"/>
+          </a:xfrm>
+          <a:prstGeom prst="rect">
+            <a:avLst/>
+          </a:prstGeom>
+          <a:noFill/>
+          <a:ln w="9525">
+            <a:noFill/>
+            <a:miter lim="800000"/>
+            <a:headEnd/>
+            <a:tailEnd/>
+          </a:ln>
         </p:spPr>
       </p:pic>
     </p:spTree>
@@ -4204,6 +4761,38 @@
           </a:prstGeom>
         </p:spPr>
       </p:pic>
+      <p:pic>
+        <p:nvPicPr>
+          <p:cNvPr id="5" name="Picture 1"/>
+          <p:cNvPicPr>
+            <a:picLocks noChangeAspect="1" noChangeArrowheads="1"/>
+          </p:cNvPicPr>
+          <p:nvPr/>
+        </p:nvPicPr>
+        <p:blipFill>
+          <a:blip r:embed="rId4" cstate="print"/>
+          <a:srcRect/>
+          <a:stretch>
+            <a:fillRect/>
+          </a:stretch>
+        </p:blipFill>
+        <p:spPr bwMode="auto">
+          <a:xfrm>
+            <a:off x="228600" y="6400800"/>
+            <a:ext cx="1271392" cy="304800"/>
+          </a:xfrm>
+          <a:prstGeom prst="rect">
+            <a:avLst/>
+          </a:prstGeom>
+          <a:noFill/>
+          <a:ln w="9525">
+            <a:noFill/>
+            <a:miter lim="800000"/>
+            <a:headEnd/>
+            <a:tailEnd/>
+          </a:ln>
+        </p:spPr>
+      </p:pic>
     </p:spTree>
   </p:cSld>
   <p:clrMapOvr>
@@ -4324,6 +4913,38 @@
           <a:prstGeom prst="rect">
             <a:avLst/>
           </a:prstGeom>
+        </p:spPr>
+      </p:pic>
+      <p:pic>
+        <p:nvPicPr>
+          <p:cNvPr id="5" name="Picture 1"/>
+          <p:cNvPicPr>
+            <a:picLocks noChangeAspect="1" noChangeArrowheads="1"/>
+          </p:cNvPicPr>
+          <p:nvPr/>
+        </p:nvPicPr>
+        <p:blipFill>
+          <a:blip r:embed="rId4" cstate="print"/>
+          <a:srcRect/>
+          <a:stretch>
+            <a:fillRect/>
+          </a:stretch>
+        </p:blipFill>
+        <p:spPr bwMode="auto">
+          <a:xfrm>
+            <a:off x="228600" y="6400800"/>
+            <a:ext cx="1271392" cy="304800"/>
+          </a:xfrm>
+          <a:prstGeom prst="rect">
+            <a:avLst/>
+          </a:prstGeom>
+          <a:noFill/>
+          <a:ln w="9525">
+            <a:noFill/>
+            <a:miter lim="800000"/>
+            <a:headEnd/>
+            <a:tailEnd/>
+          </a:ln>
         </p:spPr>
       </p:pic>
     </p:spTree>
@@ -4438,6 +5059,38 @@
           </a:p>
         </p:txBody>
       </p:sp>
+      <p:pic>
+        <p:nvPicPr>
+          <p:cNvPr id="36865" name="Picture 1"/>
+          <p:cNvPicPr>
+            <a:picLocks noChangeAspect="1" noChangeArrowheads="1"/>
+          </p:cNvPicPr>
+          <p:nvPr/>
+        </p:nvPicPr>
+        <p:blipFill>
+          <a:blip r:embed="rId4" cstate="print"/>
+          <a:srcRect/>
+          <a:stretch>
+            <a:fillRect/>
+          </a:stretch>
+        </p:blipFill>
+        <p:spPr bwMode="auto">
+          <a:xfrm>
+            <a:off x="228600" y="6400800"/>
+            <a:ext cx="1271392" cy="304800"/>
+          </a:xfrm>
+          <a:prstGeom prst="rect">
+            <a:avLst/>
+          </a:prstGeom>
+          <a:noFill/>
+          <a:ln w="9525">
+            <a:noFill/>
+            <a:miter lim="800000"/>
+            <a:headEnd/>
+            <a:tailEnd/>
+          </a:ln>
+        </p:spPr>
+      </p:pic>
     </p:spTree>
   </p:cSld>
   <p:clrMapOvr>
@@ -4558,6 +5211,38 @@
           <a:prstGeom prst="rect">
             <a:avLst/>
           </a:prstGeom>
+        </p:spPr>
+      </p:pic>
+      <p:pic>
+        <p:nvPicPr>
+          <p:cNvPr id="5" name="Picture 1"/>
+          <p:cNvPicPr>
+            <a:picLocks noChangeAspect="1" noChangeArrowheads="1"/>
+          </p:cNvPicPr>
+          <p:nvPr/>
+        </p:nvPicPr>
+        <p:blipFill>
+          <a:blip r:embed="rId4" cstate="print"/>
+          <a:srcRect/>
+          <a:stretch>
+            <a:fillRect/>
+          </a:stretch>
+        </p:blipFill>
+        <p:spPr bwMode="auto">
+          <a:xfrm>
+            <a:off x="228600" y="6400800"/>
+            <a:ext cx="1271392" cy="304800"/>
+          </a:xfrm>
+          <a:prstGeom prst="rect">
+            <a:avLst/>
+          </a:prstGeom>
+          <a:noFill/>
+          <a:ln w="9525">
+            <a:noFill/>
+            <a:miter lim="800000"/>
+            <a:headEnd/>
+            <a:tailEnd/>
+          </a:ln>
         </p:spPr>
       </p:pic>
     </p:spTree>
@@ -4834,6 +5519,38 @@
           </a:prstGeom>
         </p:spPr>
       </p:pic>
+      <p:pic>
+        <p:nvPicPr>
+          <p:cNvPr id="6" name="Picture 1"/>
+          <p:cNvPicPr>
+            <a:picLocks noChangeAspect="1" noChangeArrowheads="1"/>
+          </p:cNvPicPr>
+          <p:nvPr/>
+        </p:nvPicPr>
+        <p:blipFill>
+          <a:blip r:embed="rId5" cstate="print"/>
+          <a:srcRect/>
+          <a:stretch>
+            <a:fillRect/>
+          </a:stretch>
+        </p:blipFill>
+        <p:spPr bwMode="auto">
+          <a:xfrm>
+            <a:off x="228600" y="6400800"/>
+            <a:ext cx="1271392" cy="304800"/>
+          </a:xfrm>
+          <a:prstGeom prst="rect">
+            <a:avLst/>
+          </a:prstGeom>
+          <a:noFill/>
+          <a:ln w="9525">
+            <a:noFill/>
+            <a:miter lim="800000"/>
+            <a:headEnd/>
+            <a:tailEnd/>
+          </a:ln>
+        </p:spPr>
+      </p:pic>
     </p:spTree>
   </p:cSld>
   <p:clrMapOvr>
@@ -4952,6 +5669,38 @@
           <a:prstGeom prst="rect">
             <a:avLst/>
           </a:prstGeom>
+        </p:spPr>
+      </p:pic>
+      <p:pic>
+        <p:nvPicPr>
+          <p:cNvPr id="6" name="Picture 1"/>
+          <p:cNvPicPr>
+            <a:picLocks noChangeAspect="1" noChangeArrowheads="1"/>
+          </p:cNvPicPr>
+          <p:nvPr/>
+        </p:nvPicPr>
+        <p:blipFill>
+          <a:blip r:embed="rId5" cstate="print"/>
+          <a:srcRect/>
+          <a:stretch>
+            <a:fillRect/>
+          </a:stretch>
+        </p:blipFill>
+        <p:spPr bwMode="auto">
+          <a:xfrm>
+            <a:off x="228600" y="6400800"/>
+            <a:ext cx="1271392" cy="304800"/>
+          </a:xfrm>
+          <a:prstGeom prst="rect">
+            <a:avLst/>
+          </a:prstGeom>
+          <a:noFill/>
+          <a:ln w="9525">
+            <a:noFill/>
+            <a:miter lim="800000"/>
+            <a:headEnd/>
+            <a:tailEnd/>
+          </a:ln>
         </p:spPr>
       </p:pic>
     </p:spTree>
@@ -5054,6 +5803,64 @@
           </a:p>
         </p:txBody>
       </p:sp>
+      <p:pic>
+        <p:nvPicPr>
+          <p:cNvPr id="4" name="Picture 1"/>
+          <p:cNvPicPr>
+            <a:picLocks noChangeAspect="1" noChangeArrowheads="1"/>
+          </p:cNvPicPr>
+          <p:nvPr/>
+        </p:nvPicPr>
+        <p:blipFill>
+          <a:blip r:embed="rId3" cstate="print"/>
+          <a:srcRect/>
+          <a:stretch>
+            <a:fillRect/>
+          </a:stretch>
+        </p:blipFill>
+        <p:spPr bwMode="auto">
+          <a:xfrm>
+            <a:off x="228600" y="6400800"/>
+            <a:ext cx="1271392" cy="304800"/>
+          </a:xfrm>
+          <a:prstGeom prst="rect">
+            <a:avLst/>
+          </a:prstGeom>
+          <a:noFill/>
+          <a:ln w="9525">
+            <a:noFill/>
+            <a:miter lim="800000"/>
+            <a:headEnd/>
+            <a:tailEnd/>
+          </a:ln>
+        </p:spPr>
+      </p:pic>
+      <p:pic>
+        <p:nvPicPr>
+          <p:cNvPr id="15362" name="Picture 2" descr="ChronicleMap_100px_Rev2"/>
+          <p:cNvPicPr>
+            <a:picLocks noChangeAspect="1" noChangeArrowheads="1"/>
+          </p:cNvPicPr>
+          <p:nvPr/>
+        </p:nvPicPr>
+        <p:blipFill>
+          <a:blip r:embed="rId4" cstate="print"/>
+          <a:srcRect/>
+          <a:stretch>
+            <a:fillRect/>
+          </a:stretch>
+        </p:blipFill>
+        <p:spPr bwMode="auto">
+          <a:xfrm>
+            <a:off x="1524000" y="2819400"/>
+            <a:ext cx="762000" cy="1066800"/>
+          </a:xfrm>
+          <a:prstGeom prst="rect">
+            <a:avLst/>
+          </a:prstGeom>
+          <a:noFill/>
+        </p:spPr>
+      </p:pic>
     </p:spTree>
   </p:cSld>
   <p:clrMapOvr>
@@ -5194,6 +6001,64 @@
           </a:prstGeom>
         </p:spPr>
       </p:pic>
+      <p:pic>
+        <p:nvPicPr>
+          <p:cNvPr id="5" name="Picture 1"/>
+          <p:cNvPicPr>
+            <a:picLocks noChangeAspect="1" noChangeArrowheads="1"/>
+          </p:cNvPicPr>
+          <p:nvPr/>
+        </p:nvPicPr>
+        <p:blipFill>
+          <a:blip r:embed="rId4" cstate="print"/>
+          <a:srcRect/>
+          <a:stretch>
+            <a:fillRect/>
+          </a:stretch>
+        </p:blipFill>
+        <p:spPr bwMode="auto">
+          <a:xfrm>
+            <a:off x="228600" y="6400800"/>
+            <a:ext cx="1271392" cy="304800"/>
+          </a:xfrm>
+          <a:prstGeom prst="rect">
+            <a:avLst/>
+          </a:prstGeom>
+          <a:noFill/>
+          <a:ln w="9525">
+            <a:noFill/>
+            <a:miter lim="800000"/>
+            <a:headEnd/>
+            <a:tailEnd/>
+          </a:ln>
+        </p:spPr>
+      </p:pic>
+      <p:pic>
+        <p:nvPicPr>
+          <p:cNvPr id="14338" name="Picture 2" descr="ChronicleMap_100px_Rev2"/>
+          <p:cNvPicPr>
+            <a:picLocks noChangeAspect="1" noChangeArrowheads="1"/>
+          </p:cNvPicPr>
+          <p:nvPr/>
+        </p:nvPicPr>
+        <p:blipFill>
+          <a:blip r:embed="rId5" cstate="print"/>
+          <a:srcRect/>
+          <a:stretch>
+            <a:fillRect/>
+          </a:stretch>
+        </p:blipFill>
+        <p:spPr bwMode="auto">
+          <a:xfrm>
+            <a:off x="990600" y="3276600"/>
+            <a:ext cx="1371600" cy="1371600"/>
+          </a:xfrm>
+          <a:prstGeom prst="rect">
+            <a:avLst/>
+          </a:prstGeom>
+          <a:noFill/>
+        </p:spPr>
+      </p:pic>
     </p:spTree>
   </p:cSld>
   <p:clrMapOvr>
@@ -5318,6 +6183,38 @@
           <a:prstGeom prst="rect">
             <a:avLst/>
           </a:prstGeom>
+        </p:spPr>
+      </p:pic>
+      <p:pic>
+        <p:nvPicPr>
+          <p:cNvPr id="4" name="Picture 1"/>
+          <p:cNvPicPr>
+            <a:picLocks noChangeAspect="1" noChangeArrowheads="1"/>
+          </p:cNvPicPr>
+          <p:nvPr/>
+        </p:nvPicPr>
+        <p:blipFill>
+          <a:blip r:embed="rId3" cstate="print"/>
+          <a:srcRect/>
+          <a:stretch>
+            <a:fillRect/>
+          </a:stretch>
+        </p:blipFill>
+        <p:spPr bwMode="auto">
+          <a:xfrm>
+            <a:off x="228600" y="6400800"/>
+            <a:ext cx="1271392" cy="304800"/>
+          </a:xfrm>
+          <a:prstGeom prst="rect">
+            <a:avLst/>
+          </a:prstGeom>
+          <a:noFill/>
+          <a:ln w="9525">
+            <a:noFill/>
+            <a:miter lim="800000"/>
+            <a:headEnd/>
+            <a:tailEnd/>
+          </a:ln>
         </p:spPr>
       </p:pic>
     </p:spTree>
@@ -5441,6 +6338,38 @@
           </a:prstGeom>
         </p:spPr>
       </p:pic>
+      <p:pic>
+        <p:nvPicPr>
+          <p:cNvPr id="5" name="Picture 1"/>
+          <p:cNvPicPr>
+            <a:picLocks noChangeAspect="1" noChangeArrowheads="1"/>
+          </p:cNvPicPr>
+          <p:nvPr/>
+        </p:nvPicPr>
+        <p:blipFill>
+          <a:blip r:embed="rId4" cstate="print"/>
+          <a:srcRect/>
+          <a:stretch>
+            <a:fillRect/>
+          </a:stretch>
+        </p:blipFill>
+        <p:spPr bwMode="auto">
+          <a:xfrm>
+            <a:off x="228600" y="6400800"/>
+            <a:ext cx="1271392" cy="304800"/>
+          </a:xfrm>
+          <a:prstGeom prst="rect">
+            <a:avLst/>
+          </a:prstGeom>
+          <a:noFill/>
+          <a:ln w="9525">
+            <a:noFill/>
+            <a:miter lim="800000"/>
+            <a:headEnd/>
+            <a:tailEnd/>
+          </a:ln>
+        </p:spPr>
+      </p:pic>
     </p:spTree>
   </p:cSld>
   <p:clrMapOvr>
@@ -5567,6 +6496,38 @@
           <a:prstGeom prst="rect">
             <a:avLst/>
           </a:prstGeom>
+        </p:spPr>
+      </p:pic>
+      <p:pic>
+        <p:nvPicPr>
+          <p:cNvPr id="5" name="Picture 1"/>
+          <p:cNvPicPr>
+            <a:picLocks noChangeAspect="1" noChangeArrowheads="1"/>
+          </p:cNvPicPr>
+          <p:nvPr/>
+        </p:nvPicPr>
+        <p:blipFill>
+          <a:blip r:embed="rId4" cstate="print"/>
+          <a:srcRect/>
+          <a:stretch>
+            <a:fillRect/>
+          </a:stretch>
+        </p:blipFill>
+        <p:spPr bwMode="auto">
+          <a:xfrm>
+            <a:off x="228600" y="6400800"/>
+            <a:ext cx="1271392" cy="304800"/>
+          </a:xfrm>
+          <a:prstGeom prst="rect">
+            <a:avLst/>
+          </a:prstGeom>
+          <a:noFill/>
+          <a:ln w="9525">
+            <a:noFill/>
+            <a:miter lim="800000"/>
+            <a:headEnd/>
+            <a:tailEnd/>
+          </a:ln>
         </p:spPr>
       </p:pic>
     </p:spTree>
@@ -5696,6 +6657,38 @@
           </a:prstGeom>
         </p:spPr>
       </p:pic>
+      <p:pic>
+        <p:nvPicPr>
+          <p:cNvPr id="5" name="Picture 1"/>
+          <p:cNvPicPr>
+            <a:picLocks noChangeAspect="1" noChangeArrowheads="1"/>
+          </p:cNvPicPr>
+          <p:nvPr/>
+        </p:nvPicPr>
+        <p:blipFill>
+          <a:blip r:embed="rId4" cstate="print"/>
+          <a:srcRect/>
+          <a:stretch>
+            <a:fillRect/>
+          </a:stretch>
+        </p:blipFill>
+        <p:spPr bwMode="auto">
+          <a:xfrm>
+            <a:off x="228600" y="6400800"/>
+            <a:ext cx="1271392" cy="304800"/>
+          </a:xfrm>
+          <a:prstGeom prst="rect">
+            <a:avLst/>
+          </a:prstGeom>
+          <a:noFill/>
+          <a:ln w="9525">
+            <a:noFill/>
+            <a:miter lim="800000"/>
+            <a:headEnd/>
+            <a:tailEnd/>
+          </a:ln>
+        </p:spPr>
+      </p:pic>
     </p:spTree>
   </p:cSld>
   <p:clrMapOvr>
@@ -5836,6 +6829,38 @@
           <a:prstGeom prst="rect">
             <a:avLst/>
           </a:prstGeom>
+        </p:spPr>
+      </p:pic>
+      <p:pic>
+        <p:nvPicPr>
+          <p:cNvPr id="5" name="Picture 1"/>
+          <p:cNvPicPr>
+            <a:picLocks noChangeAspect="1" noChangeArrowheads="1"/>
+          </p:cNvPicPr>
+          <p:nvPr/>
+        </p:nvPicPr>
+        <p:blipFill>
+          <a:blip r:embed="rId4" cstate="print"/>
+          <a:srcRect/>
+          <a:stretch>
+            <a:fillRect/>
+          </a:stretch>
+        </p:blipFill>
+        <p:spPr bwMode="auto">
+          <a:xfrm>
+            <a:off x="228600" y="6400800"/>
+            <a:ext cx="1271392" cy="304800"/>
+          </a:xfrm>
+          <a:prstGeom prst="rect">
+            <a:avLst/>
+          </a:prstGeom>
+          <a:noFill/>
+          <a:ln w="9525">
+            <a:noFill/>
+            <a:miter lim="800000"/>
+            <a:headEnd/>
+            <a:tailEnd/>
+          </a:ln>
         </p:spPr>
       </p:pic>
     </p:spTree>
@@ -6223,6 +7248,38 @@
           </a:p>
         </p:txBody>
       </p:sp>
+      <p:pic>
+        <p:nvPicPr>
+          <p:cNvPr id="13" name="Picture 1"/>
+          <p:cNvPicPr>
+            <a:picLocks noChangeAspect="1" noChangeArrowheads="1"/>
+          </p:cNvPicPr>
+          <p:nvPr/>
+        </p:nvPicPr>
+        <p:blipFill>
+          <a:blip r:embed="rId5" cstate="print"/>
+          <a:srcRect/>
+          <a:stretch>
+            <a:fillRect/>
+          </a:stretch>
+        </p:blipFill>
+        <p:spPr bwMode="auto">
+          <a:xfrm>
+            <a:off x="228600" y="6400800"/>
+            <a:ext cx="1271392" cy="304800"/>
+          </a:xfrm>
+          <a:prstGeom prst="rect">
+            <a:avLst/>
+          </a:prstGeom>
+          <a:noFill/>
+          <a:ln w="9525">
+            <a:noFill/>
+            <a:miter lim="800000"/>
+            <a:headEnd/>
+            <a:tailEnd/>
+          </a:ln>
+        </p:spPr>
+      </p:pic>
     </p:spTree>
   </p:cSld>
   <p:clrMapOvr>
@@ -6489,6 +7546,38 @@
           </a:p>
         </p:txBody>
       </p:sp>
+      <p:pic>
+        <p:nvPicPr>
+          <p:cNvPr id="9" name="Picture 1"/>
+          <p:cNvPicPr>
+            <a:picLocks noChangeAspect="1" noChangeArrowheads="1"/>
+          </p:cNvPicPr>
+          <p:nvPr/>
+        </p:nvPicPr>
+        <p:blipFill>
+          <a:blip r:embed="rId5" cstate="print"/>
+          <a:srcRect/>
+          <a:stretch>
+            <a:fillRect/>
+          </a:stretch>
+        </p:blipFill>
+        <p:spPr bwMode="auto">
+          <a:xfrm>
+            <a:off x="228600" y="6400800"/>
+            <a:ext cx="1271392" cy="304800"/>
+          </a:xfrm>
+          <a:prstGeom prst="rect">
+            <a:avLst/>
+          </a:prstGeom>
+          <a:noFill/>
+          <a:ln w="9525">
+            <a:noFill/>
+            <a:miter lim="800000"/>
+            <a:headEnd/>
+            <a:tailEnd/>
+          </a:ln>
+        </p:spPr>
+      </p:pic>
     </p:spTree>
   </p:cSld>
   <p:clrMapOvr>
@@ -6849,6 +7938,38 @@
           <a:prstGeom prst="rect">
             <a:avLst/>
           </a:prstGeom>
+        </p:spPr>
+      </p:pic>
+      <p:pic>
+        <p:nvPicPr>
+          <p:cNvPr id="5" name="Picture 1"/>
+          <p:cNvPicPr>
+            <a:picLocks noChangeAspect="1" noChangeArrowheads="1"/>
+          </p:cNvPicPr>
+          <p:nvPr/>
+        </p:nvPicPr>
+        <p:blipFill>
+          <a:blip r:embed="rId3" cstate="print"/>
+          <a:srcRect/>
+          <a:stretch>
+            <a:fillRect/>
+          </a:stretch>
+        </p:blipFill>
+        <p:spPr bwMode="auto">
+          <a:xfrm>
+            <a:off x="228600" y="6400800"/>
+            <a:ext cx="1271392" cy="304800"/>
+          </a:xfrm>
+          <a:prstGeom prst="rect">
+            <a:avLst/>
+          </a:prstGeom>
+          <a:noFill/>
+          <a:ln w="9525">
+            <a:noFill/>
+            <a:miter lim="800000"/>
+            <a:headEnd/>
+            <a:tailEnd/>
+          </a:ln>
         </p:spPr>
       </p:pic>
     </p:spTree>
@@ -6891,8 +8012,8 @@
         </p:nvSpPr>
         <p:spPr>
           <a:xfrm>
-            <a:off x="304800" y="152400"/>
-            <a:ext cx="8610600" cy="6524863"/>
+            <a:off x="304800" y="76200"/>
+            <a:ext cx="8610600" cy="6309420"/>
           </a:xfrm>
           <a:prstGeom prst="rect">
             <a:avLst/>
@@ -7077,10 +8198,6 @@
               <a:rPr lang="en-US" sz="1400" b="1" dirty="0" smtClean="0"/>
               <a:t> \ 	net.openhft.collections.fromdocs.com.jpmorgan.pingpong_latency.PingPongPlayerRight</a:t>
             </a:r>
-          </a:p>
-          <a:p>
-            <a:pPr lvl="1"/>
-            <a:endParaRPr lang="en-US" sz="1400" b="1" dirty="0" smtClean="0"/>
           </a:p>
           <a:p>
             <a:endParaRPr lang="en-US" b="1" dirty="0" smtClean="0"/>
@@ -7402,6 +8519,38 @@
           <a:prstGeom prst="rect">
             <a:avLst/>
           </a:prstGeom>
+        </p:spPr>
+      </p:pic>
+      <p:pic>
+        <p:nvPicPr>
+          <p:cNvPr id="4" name="Picture 1"/>
+          <p:cNvPicPr>
+            <a:picLocks noChangeAspect="1" noChangeArrowheads="1"/>
+          </p:cNvPicPr>
+          <p:nvPr/>
+        </p:nvPicPr>
+        <p:blipFill>
+          <a:blip r:embed="rId4" cstate="print"/>
+          <a:srcRect/>
+          <a:stretch>
+            <a:fillRect/>
+          </a:stretch>
+        </p:blipFill>
+        <p:spPr bwMode="auto">
+          <a:xfrm>
+            <a:off x="228600" y="6400800"/>
+            <a:ext cx="1271392" cy="304800"/>
+          </a:xfrm>
+          <a:prstGeom prst="rect">
+            <a:avLst/>
+          </a:prstGeom>
+          <a:noFill/>
+          <a:ln w="9525">
+            <a:noFill/>
+            <a:miter lim="800000"/>
+            <a:headEnd/>
+            <a:tailEnd/>
+          </a:ln>
         </p:spPr>
       </p:pic>
     </p:spTree>
@@ -7556,6 +8705,38 @@
           </a:p>
         </p:txBody>
       </p:sp>
+      <p:pic>
+        <p:nvPicPr>
+          <p:cNvPr id="5" name="Picture 1"/>
+          <p:cNvPicPr>
+            <a:picLocks noChangeAspect="1" noChangeArrowheads="1"/>
+          </p:cNvPicPr>
+          <p:nvPr/>
+        </p:nvPicPr>
+        <p:blipFill>
+          <a:blip r:embed="rId4" cstate="print"/>
+          <a:srcRect/>
+          <a:stretch>
+            <a:fillRect/>
+          </a:stretch>
+        </p:blipFill>
+        <p:spPr bwMode="auto">
+          <a:xfrm>
+            <a:off x="228600" y="6400800"/>
+            <a:ext cx="1271392" cy="304800"/>
+          </a:xfrm>
+          <a:prstGeom prst="rect">
+            <a:avLst/>
+          </a:prstGeom>
+          <a:noFill/>
+          <a:ln w="9525">
+            <a:noFill/>
+            <a:miter lim="800000"/>
+            <a:headEnd/>
+            <a:tailEnd/>
+          </a:ln>
+        </p:spPr>
+      </p:pic>
     </p:spTree>
   </p:cSld>
   <p:clrMapOvr>
@@ -7620,7 +8801,7 @@
         </p:nvSpPr>
         <p:spPr>
           <a:xfrm>
-            <a:off x="228600" y="457200"/>
+            <a:off x="228600" y="394692"/>
             <a:ext cx="7924800" cy="6463308"/>
           </a:xfrm>
           <a:prstGeom prst="rect">
@@ -7680,7 +8861,11 @@
             </a:r>
           </a:p>
           <a:p>
-            <a:endParaRPr lang="en-US" dirty="0" smtClean="0"/>
+            <a:endParaRPr lang="en-US" b="1" dirty="0" smtClean="0">
+              <a:solidFill>
+                <a:srgbClr val="00B050"/>
+              </a:solidFill>
+            </a:endParaRPr>
           </a:p>
           <a:p>
             <a:r>
@@ -7697,7 +8882,15 @@
                   <a:srgbClr val="00B050"/>
                 </a:solidFill>
               </a:rPr>
-              <a:t> JDG and JCACHE&lt;K,V&gt; as operand provider:</a:t>
+              <a:t> </a:t>
+            </a:r>
+            <a:r>
+              <a:rPr lang="en-US" b="1" dirty="0" smtClean="0">
+                <a:solidFill>
+                  <a:srgbClr val="00B050"/>
+                </a:solidFill>
+              </a:rPr>
+              <a:t>JDG and JCACHE&lt;K,V&gt; as operand provider:</a:t>
             </a:r>
           </a:p>
           <a:p>
@@ -7761,11 +8954,12 @@
             <a:pPr lvl="1"/>
             <a:r>
               <a:rPr lang="en-US" sz="1400" b="1" dirty="0" smtClean="0"/>
-              <a:t>	-d LEFT</a:t>
-            </a:r>
-          </a:p>
-          <a:p>
-            <a:pPr lvl="1"/>
+              <a:t>	-d </a:t>
+            </a:r>
+            <a:r>
+              <a:rPr lang="en-US" sz="1400" b="1" dirty="0" smtClean="0"/>
+              <a:t>LEFT</a:t>
+            </a:r>
             <a:endParaRPr lang="en-US" sz="1400" b="1" dirty="0" smtClean="0"/>
           </a:p>
           <a:p>
@@ -7809,7 +9003,11 @@
             <a:pPr lvl="1"/>
             <a:r>
               <a:rPr lang="en-US" sz="1400" b="1" dirty="0" smtClean="0"/>
-              <a:t>	-d RIGHT</a:t>
+              <a:t>	-d </a:t>
+            </a:r>
+            <a:r>
+              <a:rPr lang="en-US" sz="1400" b="1" dirty="0" smtClean="0"/>
+              <a:t>RIGHT</a:t>
             </a:r>
           </a:p>
           <a:p>
@@ -7972,12 +9170,12 @@
           </a:p>
           <a:p>
             <a:r>
-              <a:rPr lang="en-US" b="1" smtClean="0">
+              <a:rPr lang="en-US" b="1" dirty="0" smtClean="0">
                 <a:solidFill>
                   <a:schemeClr val="tx2"/>
                 </a:solidFill>
               </a:rPr>
-              <a:t>( full </a:t>
+              <a:t>( </a:t>
             </a:r>
             <a:r>
               <a:rPr lang="en-US" b="1" dirty="0" smtClean="0">
@@ -7985,62 +9183,72 @@
                   <a:schemeClr val="tx2"/>
                 </a:solidFill>
               </a:rPr>
-              <a:t>results </a:t>
-            </a:r>
-            <a:r>
-              <a:rPr lang="en-US" b="1" smtClean="0">
+              <a:t>full results at </a:t>
+            </a:r>
+            <a:r>
+              <a:rPr lang="en-US" b="1" dirty="0">
                 <a:solidFill>
                   <a:schemeClr val="tx2"/>
                 </a:solidFill>
-              </a:rPr>
-              <a:t>at </a:t>
-            </a:r>
-            <a:r>
-              <a:rPr lang="en-US" b="1">
+                <a:hlinkClick r:id="rId3"/>
+              </a:rPr>
+              <a:t>https://</a:t>
+            </a:r>
+            <a:r>
+              <a:rPr lang="en-US" b="1" dirty="0" smtClean="0">
                 <a:solidFill>
                   <a:schemeClr val="tx2"/>
                 </a:solidFill>
                 <a:hlinkClick r:id="rId3"/>
               </a:rPr>
-              <a:t>https</a:t>
-            </a:r>
-            <a:r>
-              <a:rPr lang="en-US" b="1">
+              <a:t>github.com/Cotton-Ben/infinispan-quickstart/tree/master/clustered-cache</a:t>
+            </a:r>
+            <a:r>
+              <a:rPr lang="en-US" b="1" dirty="0" smtClean="0">
                 <a:solidFill>
                   <a:schemeClr val="tx2"/>
                 </a:solidFill>
-                <a:hlinkClick r:id="rId3"/>
-              </a:rPr>
-              <a:t>://</a:t>
-            </a:r>
-            <a:r>
-              <a:rPr lang="en-US" b="1" smtClean="0">
-                <a:solidFill>
-                  <a:schemeClr val="tx2"/>
-                </a:solidFill>
-                <a:hlinkClick r:id="rId3"/>
-              </a:rPr>
-              <a:t>github.com/Cotton-Ben/infinispan-quickstart/tree/master/clustered-cache</a:t>
-            </a:r>
-            <a:r>
-              <a:rPr lang="en-US" b="1" smtClean="0">
-                <a:solidFill>
-                  <a:schemeClr val="tx2"/>
-                </a:solidFill>
               </a:rPr>
               <a:t> )</a:t>
             </a:r>
-            <a:endParaRPr lang="en-US" b="1" dirty="0" smtClean="0">
-              <a:solidFill>
-                <a:schemeClr val="tx2"/>
-              </a:solidFill>
-            </a:endParaRPr>
           </a:p>
           <a:p>
             <a:endParaRPr lang="en-US" dirty="0" smtClean="0"/>
           </a:p>
         </p:txBody>
       </p:sp>
+      <p:pic>
+        <p:nvPicPr>
+          <p:cNvPr id="4" name="Picture 1"/>
+          <p:cNvPicPr>
+            <a:picLocks noChangeAspect="1" noChangeArrowheads="1"/>
+          </p:cNvPicPr>
+          <p:nvPr/>
+        </p:nvPicPr>
+        <p:blipFill>
+          <a:blip r:embed="rId4" cstate="print"/>
+          <a:srcRect/>
+          <a:stretch>
+            <a:fillRect/>
+          </a:stretch>
+        </p:blipFill>
+        <p:spPr bwMode="auto">
+          <a:xfrm>
+            <a:off x="228600" y="6400800"/>
+            <a:ext cx="1271392" cy="304800"/>
+          </a:xfrm>
+          <a:prstGeom prst="rect">
+            <a:avLst/>
+          </a:prstGeom>
+          <a:noFill/>
+          <a:ln w="9525">
+            <a:noFill/>
+            <a:miter lim="800000"/>
+            <a:headEnd/>
+            <a:tailEnd/>
+          </a:ln>
+        </p:spPr>
+      </p:pic>
     </p:spTree>
   </p:cSld>
   <p:clrMapOvr>
@@ -8161,6 +9369,38 @@
           </a:p>
         </p:txBody>
       </p:sp>
+      <p:pic>
+        <p:nvPicPr>
+          <p:cNvPr id="5" name="Picture 1"/>
+          <p:cNvPicPr>
+            <a:picLocks noChangeAspect="1" noChangeArrowheads="1"/>
+          </p:cNvPicPr>
+          <p:nvPr/>
+        </p:nvPicPr>
+        <p:blipFill>
+          <a:blip r:embed="rId4" cstate="print"/>
+          <a:srcRect/>
+          <a:stretch>
+            <a:fillRect/>
+          </a:stretch>
+        </p:blipFill>
+        <p:spPr bwMode="auto">
+          <a:xfrm>
+            <a:off x="228600" y="6400800"/>
+            <a:ext cx="1271392" cy="304800"/>
+          </a:xfrm>
+          <a:prstGeom prst="rect">
+            <a:avLst/>
+          </a:prstGeom>
+          <a:noFill/>
+          <a:ln w="9525">
+            <a:noFill/>
+            <a:miter lim="800000"/>
+            <a:headEnd/>
+            <a:tailEnd/>
+          </a:ln>
+        </p:spPr>
+      </p:pic>
     </p:spTree>
   </p:cSld>
   <p:clrMapOvr>
@@ -8226,7 +9466,7 @@
         <p:spPr>
           <a:xfrm>
             <a:off x="1066800" y="533400"/>
-            <a:ext cx="7010400" cy="6186309"/>
+            <a:ext cx="7010400" cy="5262979"/>
           </a:xfrm>
           <a:prstGeom prst="rect">
             <a:avLst/>
@@ -8240,7 +9480,7 @@
           <a:lstStyle/>
           <a:p>
             <a:r>
-              <a:rPr lang="en-US" dirty="0" smtClean="0">
+              <a:rPr lang="en-US" sz="1600" dirty="0" smtClean="0">
                 <a:solidFill>
                   <a:srgbClr val="C00000"/>
                 </a:solidFill>
@@ -8248,56 +9488,60 @@
               <a:t>Bottom Line =  </a:t>
             </a:r>
             <a:r>
-              <a:rPr lang="en-US" dirty="0" smtClean="0"/>
-              <a:t>Tests by </a:t>
-            </a:r>
-            <a:r>
-              <a:rPr lang="en-US" dirty="0" err="1" smtClean="0"/>
+              <a:rPr lang="en-US" sz="1600" dirty="0" smtClean="0"/>
+              <a:t>Tests </a:t>
+            </a:r>
+            <a:r>
+              <a:rPr lang="en-US" sz="1600" dirty="0" smtClean="0"/>
+              <a:t>by Real-Time Liquidity Risk Technology </a:t>
+            </a:r>
+            <a:r>
+              <a:rPr lang="en-US" sz="1600" dirty="0" err="1" smtClean="0"/>
               <a:t>AggEng</a:t>
             </a:r>
             <a:r>
-              <a:rPr lang="en-US" dirty="0" smtClean="0"/>
+              <a:rPr lang="en-US" sz="1600" dirty="0" smtClean="0"/>
               <a:t> team </a:t>
             </a:r>
             <a:r>
-              <a:rPr lang="en-US" dirty="0" err="1" smtClean="0"/>
+              <a:rPr lang="en-US" sz="1600" dirty="0" err="1" smtClean="0"/>
               <a:t>imperically</a:t>
             </a:r>
             <a:r>
-              <a:rPr lang="en-US" dirty="0" smtClean="0"/>
+              <a:rPr lang="en-US" sz="1600" dirty="0" smtClean="0"/>
               <a:t> demonstrate that </a:t>
             </a:r>
             <a:r>
-              <a:rPr lang="en-US" dirty="0" err="1" smtClean="0"/>
+              <a:rPr lang="en-US" sz="1600" dirty="0" err="1" smtClean="0"/>
               <a:t>OpenHFT</a:t>
             </a:r>
             <a:r>
-              <a:rPr lang="en-US" dirty="0" smtClean="0"/>
+              <a:rPr lang="en-US" sz="1600" dirty="0" smtClean="0"/>
               <a:t> off-heap over /dev/</a:t>
             </a:r>
             <a:r>
-              <a:rPr lang="en-US" dirty="0" err="1" smtClean="0"/>
+              <a:rPr lang="en-US" sz="1600" dirty="0" err="1" smtClean="0"/>
               <a:t>shm</a:t>
             </a:r>
             <a:r>
-              <a:rPr lang="en-US" dirty="0" smtClean="0"/>
+              <a:rPr lang="en-US" sz="1600" dirty="0" smtClean="0"/>
               <a:t> IPC transport is 1,000x faster than </a:t>
             </a:r>
             <a:r>
-              <a:rPr lang="en-US" dirty="0" err="1" smtClean="0"/>
+              <a:rPr lang="en-US" sz="1600" dirty="0" err="1" smtClean="0"/>
               <a:t>RedHat</a:t>
             </a:r>
             <a:r>
-              <a:rPr lang="en-US" dirty="0" smtClean="0"/>
+              <a:rPr lang="en-US" sz="1600" dirty="0" smtClean="0"/>
               <a:t> JDG on-heap over UDP OSI-Loopback IPC transport.</a:t>
             </a:r>
           </a:p>
           <a:p>
-            <a:endParaRPr lang="en-US" dirty="0" smtClean="0"/>
-          </a:p>
-          <a:p>
-            <a:r>
-              <a:rPr lang="en-US" dirty="0" smtClean="0">
+            <a:endParaRPr lang="en-US" sz="1600" dirty="0" smtClean="0"/>
+          </a:p>
+          <a:p>
+            <a:r>
+              <a:rPr lang="en-US" sz="1600" dirty="0" smtClean="0">
                 <a:solidFill>
                   <a:srgbClr val="C00000"/>
                 </a:solidFill>
@@ -8306,11 +9550,11 @@
             </a:r>
           </a:p>
           <a:p>
-            <a:endParaRPr lang="en-US" dirty="0" smtClean="0"/>
-          </a:p>
-          <a:p>
-            <a:r>
-              <a:rPr lang="en-US" i="1" dirty="0" smtClean="0">
+            <a:endParaRPr lang="en-US" sz="1600" dirty="0" smtClean="0"/>
+          </a:p>
+          <a:p>
+            <a:r>
+              <a:rPr lang="en-US" sz="1600" i="1" dirty="0" smtClean="0">
                 <a:solidFill>
                   <a:srgbClr val="C00000"/>
                 </a:solidFill>
@@ -8318,166 +9562,198 @@
               <a:t>NO DOUBT ABOUT IT = </a:t>
             </a:r>
             <a:r>
-              <a:rPr lang="en-US" i="1" dirty="0" smtClean="0"/>
+              <a:rPr lang="en-US" sz="1600" i="1" dirty="0" smtClean="0"/>
               <a:t>We need the </a:t>
             </a:r>
             <a:r>
-              <a:rPr lang="en-US" i="1" dirty="0" err="1" smtClean="0"/>
+              <a:rPr lang="en-US" sz="1600" i="1" dirty="0" err="1" smtClean="0"/>
               <a:t>OpenHFT</a:t>
             </a:r>
             <a:r>
-              <a:rPr lang="en-US" i="1" dirty="0" smtClean="0"/>
+              <a:rPr lang="en-US" sz="1600" i="1" dirty="0" smtClean="0"/>
               <a:t> off heap capability made available to us via the </a:t>
             </a:r>
             <a:r>
-              <a:rPr lang="en-US" i="1" dirty="0" err="1" smtClean="0"/>
+              <a:rPr lang="en-US" sz="1600" i="1" dirty="0" err="1" smtClean="0"/>
               <a:t>RedHat</a:t>
             </a:r>
             <a:r>
-              <a:rPr lang="en-US" i="1" dirty="0" smtClean="0"/>
+              <a:rPr lang="en-US" sz="1600" i="1" dirty="0" smtClean="0"/>
               <a:t> JDG product and its JCACHE API!</a:t>
             </a:r>
           </a:p>
           <a:p>
-            <a:endParaRPr lang="en-US" dirty="0"/>
-          </a:p>
-          <a:p>
-            <a:r>
-              <a:rPr lang="en-US" dirty="0" smtClean="0"/>
+            <a:endParaRPr lang="en-US" sz="1600" dirty="0"/>
+          </a:p>
+          <a:p>
+            <a:r>
+              <a:rPr lang="en-US" sz="1600" dirty="0" smtClean="0"/>
               <a:t>Explicit commits from Mircea re: adapting Peter’s </a:t>
             </a:r>
             <a:r>
-              <a:rPr lang="en-US" dirty="0" err="1" smtClean="0"/>
+              <a:rPr lang="en-US" sz="1600" dirty="0" err="1" smtClean="0"/>
               <a:t>OpenHFT</a:t>
             </a:r>
             <a:r>
-              <a:rPr lang="en-US" dirty="0" smtClean="0"/>
+              <a:rPr lang="en-US" sz="1600" dirty="0" smtClean="0"/>
               <a:t> SHM as </a:t>
             </a:r>
             <a:r>
-              <a:rPr lang="en-US" dirty="0" err="1" smtClean="0"/>
+              <a:rPr lang="en-US" sz="1600" dirty="0" err="1" smtClean="0"/>
               <a:t>RedHat</a:t>
             </a:r>
             <a:r>
-              <a:rPr lang="en-US" dirty="0" smtClean="0"/>
+              <a:rPr lang="en-US" sz="1600" dirty="0" smtClean="0"/>
               <a:t> JDG interoperable JSR-107 Cache&lt;K,V&gt;.  </a:t>
             </a:r>
             <a:r>
-              <a:rPr lang="en-US" dirty="0" err="1" smtClean="0"/>
+              <a:rPr lang="en-US" sz="1600" dirty="0" err="1" smtClean="0"/>
               <a:t>RedHat</a:t>
             </a:r>
             <a:r>
-              <a:rPr lang="en-US" dirty="0" smtClean="0"/>
+              <a:rPr lang="en-US" sz="1600" dirty="0" smtClean="0"/>
               <a:t> customer support case?</a:t>
             </a:r>
           </a:p>
           <a:p>
-            <a:endParaRPr lang="en-US" dirty="0"/>
-          </a:p>
-          <a:p>
-            <a:r>
-              <a:rPr lang="en-US" dirty="0" smtClean="0"/>
+            <a:endParaRPr lang="en-US" sz="1600" dirty="0"/>
+          </a:p>
+          <a:p>
+            <a:r>
+              <a:rPr lang="en-US" sz="1600" dirty="0" smtClean="0"/>
               <a:t>Explicit commits from Bela re: “short circuiting” all node </a:t>
             </a:r>
             <a:r>
-              <a:rPr lang="en-US" dirty="0" smtClean="0">
+              <a:rPr lang="en-US" sz="1600" dirty="0" smtClean="0">
                 <a:sym typeface="Wingdings" pitchFamily="2" charset="2"/>
               </a:rPr>
               <a:t> node transport resolution to use /dev/</a:t>
             </a:r>
             <a:r>
-              <a:rPr lang="en-US" dirty="0" err="1" smtClean="0">
+              <a:rPr lang="en-US" sz="1600" dirty="0" err="1" smtClean="0">
                 <a:sym typeface="Wingdings" pitchFamily="2" charset="2"/>
               </a:rPr>
               <a:t>shm</a:t>
             </a:r>
             <a:r>
-              <a:rPr lang="en-US" dirty="0" smtClean="0">
+              <a:rPr lang="en-US" sz="1600" dirty="0" smtClean="0">
                 <a:sym typeface="Wingdings" pitchFamily="2" charset="2"/>
               </a:rPr>
               <a:t> IPC as transport (instead of TCP/UDP) whenever possible … </a:t>
             </a:r>
             <a:r>
-              <a:rPr lang="en-US" dirty="0" err="1" smtClean="0">
+              <a:rPr lang="en-US" sz="1600" dirty="0" err="1" smtClean="0">
                 <a:sym typeface="Wingdings" pitchFamily="2" charset="2"/>
               </a:rPr>
               <a:t>RedHat</a:t>
             </a:r>
             <a:r>
-              <a:rPr lang="en-US" dirty="0" smtClean="0">
+              <a:rPr lang="en-US" sz="1600" dirty="0" smtClean="0">
                 <a:sym typeface="Wingdings" pitchFamily="2" charset="2"/>
               </a:rPr>
               <a:t> customer support case?</a:t>
             </a:r>
-            <a:endParaRPr lang="en-US" dirty="0">
+            <a:endParaRPr lang="en-US" sz="1600" dirty="0">
               <a:sym typeface="Wingdings" pitchFamily="2" charset="2"/>
             </a:endParaRPr>
           </a:p>
           <a:p>
-            <a:endParaRPr lang="en-US" dirty="0" smtClean="0">
+            <a:endParaRPr lang="en-US" sz="1600" dirty="0" smtClean="0">
               <a:sym typeface="Wingdings" pitchFamily="2" charset="2"/>
             </a:endParaRPr>
           </a:p>
           <a:p>
             <a:r>
-              <a:rPr lang="en-US" dirty="0" smtClean="0">
+              <a:rPr lang="en-US" sz="1600" dirty="0" smtClean="0">
                 <a:sym typeface="Wingdings" pitchFamily="2" charset="2"/>
               </a:rPr>
               <a:t>Explicit commits from Peter re: supporting above with </a:t>
             </a:r>
             <a:r>
-              <a:rPr lang="en-US" dirty="0" err="1" smtClean="0">
+              <a:rPr lang="en-US" sz="1600" dirty="0" err="1" smtClean="0">
                 <a:sym typeface="Wingdings" pitchFamily="2" charset="2"/>
               </a:rPr>
               <a:t>OpenHFT</a:t>
             </a:r>
             <a:r>
-              <a:rPr lang="en-US" dirty="0" smtClean="0">
+              <a:rPr lang="en-US" sz="1600" dirty="0" smtClean="0">
                 <a:sym typeface="Wingdings" pitchFamily="2" charset="2"/>
               </a:rPr>
               <a:t> as the Off-Heap provider.  JPM retain </a:t>
             </a:r>
             <a:r>
-              <a:rPr lang="en-US" dirty="0" err="1" smtClean="0">
+              <a:rPr lang="en-US" sz="1600" dirty="0" err="1" smtClean="0">
                 <a:sym typeface="Wingdings" pitchFamily="2" charset="2"/>
               </a:rPr>
               <a:t>OpenHFT</a:t>
             </a:r>
             <a:r>
-              <a:rPr lang="en-US" dirty="0" smtClean="0">
+              <a:rPr lang="en-US" sz="1600" dirty="0" smtClean="0">
                 <a:sym typeface="Wingdings" pitchFamily="2" charset="2"/>
               </a:rPr>
               <a:t>  via support subscription?</a:t>
             </a:r>
           </a:p>
           <a:p>
-            <a:endParaRPr lang="en-US" dirty="0" smtClean="0">
+            <a:endParaRPr lang="en-US" sz="1600" dirty="0" smtClean="0">
               <a:sym typeface="Wingdings" pitchFamily="2" charset="2"/>
             </a:endParaRPr>
           </a:p>
           <a:p>
             <a:r>
-              <a:rPr lang="en-US" dirty="0" smtClean="0">
+              <a:rPr lang="en-US" sz="1600" dirty="0" smtClean="0">
                 <a:sym typeface="Wingdings" pitchFamily="2" charset="2"/>
               </a:rPr>
               <a:t>Continued commits/time planning re: Ben, Dmitry, Xiao efforts to maintained </a:t>
             </a:r>
             <a:r>
-              <a:rPr lang="en-US" dirty="0" err="1" smtClean="0">
+              <a:rPr lang="en-US" sz="1600" dirty="0" err="1" smtClean="0">
                 <a:sym typeface="Wingdings" pitchFamily="2" charset="2"/>
               </a:rPr>
               <a:t>Fork’d</a:t>
             </a:r>
             <a:r>
-              <a:rPr lang="en-US" dirty="0" smtClean="0">
+              <a:rPr lang="en-US" sz="1600" dirty="0" smtClean="0">
                 <a:sym typeface="Wingdings" pitchFamily="2" charset="2"/>
               </a:rPr>
               <a:t> repo and build sound/complete/confirming tests.</a:t>
             </a:r>
-            <a:endParaRPr lang="en-US" dirty="0" smtClean="0"/>
+            <a:endParaRPr lang="en-US" sz="1600" dirty="0" smtClean="0"/>
           </a:p>
         </p:txBody>
       </p:sp>
+      <p:pic>
+        <p:nvPicPr>
+          <p:cNvPr id="4" name="Picture 1"/>
+          <p:cNvPicPr>
+            <a:picLocks noChangeAspect="1" noChangeArrowheads="1"/>
+          </p:cNvPicPr>
+          <p:nvPr/>
+        </p:nvPicPr>
+        <p:blipFill>
+          <a:blip r:embed="rId3" cstate="print"/>
+          <a:srcRect/>
+          <a:stretch>
+            <a:fillRect/>
+          </a:stretch>
+        </p:blipFill>
+        <p:spPr bwMode="auto">
+          <a:xfrm>
+            <a:off x="228600" y="6400800"/>
+            <a:ext cx="1271392" cy="304800"/>
+          </a:xfrm>
+          <a:prstGeom prst="rect">
+            <a:avLst/>
+          </a:prstGeom>
+          <a:noFill/>
+          <a:ln w="9525">
+            <a:noFill/>
+            <a:miter lim="800000"/>
+            <a:headEnd/>
+            <a:tailEnd/>
+          </a:ln>
+        </p:spPr>
+      </p:pic>
     </p:spTree>
   </p:cSld>
   <p:clrMapOvr>
@@ -8629,6 +9905,38 @@
           <a:prstGeom prst="rect">
             <a:avLst/>
           </a:prstGeom>
+        </p:spPr>
+      </p:pic>
+      <p:pic>
+        <p:nvPicPr>
+          <p:cNvPr id="4" name="Picture 1"/>
+          <p:cNvPicPr>
+            <a:picLocks noChangeAspect="1" noChangeArrowheads="1"/>
+          </p:cNvPicPr>
+          <p:nvPr/>
+        </p:nvPicPr>
+        <p:blipFill>
+          <a:blip r:embed="rId5" cstate="print"/>
+          <a:srcRect/>
+          <a:stretch>
+            <a:fillRect/>
+          </a:stretch>
+        </p:blipFill>
+        <p:spPr bwMode="auto">
+          <a:xfrm>
+            <a:off x="228600" y="6400800"/>
+            <a:ext cx="1271392" cy="304800"/>
+          </a:xfrm>
+          <a:prstGeom prst="rect">
+            <a:avLst/>
+          </a:prstGeom>
+          <a:noFill/>
+          <a:ln w="9525">
+            <a:noFill/>
+            <a:miter lim="800000"/>
+            <a:headEnd/>
+            <a:tailEnd/>
+          </a:ln>
         </p:spPr>
       </p:pic>
     </p:spTree>
@@ -8914,6 +10222,38 @@
           <a:prstGeom prst="rect">
             <a:avLst/>
           </a:prstGeom>
+        </p:spPr>
+      </p:pic>
+      <p:pic>
+        <p:nvPicPr>
+          <p:cNvPr id="5" name="Picture 1"/>
+          <p:cNvPicPr>
+            <a:picLocks noChangeAspect="1" noChangeArrowheads="1"/>
+          </p:cNvPicPr>
+          <p:nvPr/>
+        </p:nvPicPr>
+        <p:blipFill>
+          <a:blip r:embed="rId3" cstate="print"/>
+          <a:srcRect/>
+          <a:stretch>
+            <a:fillRect/>
+          </a:stretch>
+        </p:blipFill>
+        <p:spPr bwMode="auto">
+          <a:xfrm>
+            <a:off x="228600" y="6400800"/>
+            <a:ext cx="1271392" cy="304800"/>
+          </a:xfrm>
+          <a:prstGeom prst="rect">
+            <a:avLst/>
+          </a:prstGeom>
+          <a:noFill/>
+          <a:ln w="9525">
+            <a:noFill/>
+            <a:miter lim="800000"/>
+            <a:headEnd/>
+            <a:tailEnd/>
+          </a:ln>
         </p:spPr>
       </p:pic>
     </p:spTree>
@@ -9294,6 +10634,38 @@
           </a:p>
         </p:txBody>
       </p:sp>
+      <p:pic>
+        <p:nvPicPr>
+          <p:cNvPr id="5" name="Picture 1"/>
+          <p:cNvPicPr>
+            <a:picLocks noChangeAspect="1" noChangeArrowheads="1"/>
+          </p:cNvPicPr>
+          <p:nvPr/>
+        </p:nvPicPr>
+        <p:blipFill>
+          <a:blip r:embed="rId5" cstate="print"/>
+          <a:srcRect/>
+          <a:stretch>
+            <a:fillRect/>
+          </a:stretch>
+        </p:blipFill>
+        <p:spPr bwMode="auto">
+          <a:xfrm>
+            <a:off x="228600" y="6400800"/>
+            <a:ext cx="1271392" cy="304800"/>
+          </a:xfrm>
+          <a:prstGeom prst="rect">
+            <a:avLst/>
+          </a:prstGeom>
+          <a:noFill/>
+          <a:ln w="9525">
+            <a:noFill/>
+            <a:miter lim="800000"/>
+            <a:headEnd/>
+            <a:tailEnd/>
+          </a:ln>
+        </p:spPr>
+      </p:pic>
     </p:spTree>
   </p:cSld>
   <p:clrMapOvr>
@@ -9489,6 +10861,38 @@
           <a:prstGeom prst="rect">
             <a:avLst/>
           </a:prstGeom>
+        </p:spPr>
+      </p:pic>
+      <p:pic>
+        <p:nvPicPr>
+          <p:cNvPr id="4" name="Picture 1"/>
+          <p:cNvPicPr>
+            <a:picLocks noChangeAspect="1" noChangeArrowheads="1"/>
+          </p:cNvPicPr>
+          <p:nvPr/>
+        </p:nvPicPr>
+        <p:blipFill>
+          <a:blip r:embed="rId3" cstate="print"/>
+          <a:srcRect/>
+          <a:stretch>
+            <a:fillRect/>
+          </a:stretch>
+        </p:blipFill>
+        <p:spPr bwMode="auto">
+          <a:xfrm>
+            <a:off x="228600" y="6400800"/>
+            <a:ext cx="1271392" cy="304800"/>
+          </a:xfrm>
+          <a:prstGeom prst="rect">
+            <a:avLst/>
+          </a:prstGeom>
+          <a:noFill/>
+          <a:ln w="9525">
+            <a:noFill/>
+            <a:miter lim="800000"/>
+            <a:headEnd/>
+            <a:tailEnd/>
+          </a:ln>
         </p:spPr>
       </p:pic>
     </p:spTree>
@@ -9609,6 +11013,38 @@
           </a:p>
         </p:txBody>
       </p:sp>
+      <p:pic>
+        <p:nvPicPr>
+          <p:cNvPr id="4" name="Picture 1"/>
+          <p:cNvPicPr>
+            <a:picLocks noChangeAspect="1" noChangeArrowheads="1"/>
+          </p:cNvPicPr>
+          <p:nvPr/>
+        </p:nvPicPr>
+        <p:blipFill>
+          <a:blip r:embed="rId3" cstate="print"/>
+          <a:srcRect/>
+          <a:stretch>
+            <a:fillRect/>
+          </a:stretch>
+        </p:blipFill>
+        <p:spPr bwMode="auto">
+          <a:xfrm>
+            <a:off x="228600" y="6400800"/>
+            <a:ext cx="1271392" cy="304800"/>
+          </a:xfrm>
+          <a:prstGeom prst="rect">
+            <a:avLst/>
+          </a:prstGeom>
+          <a:noFill/>
+          <a:ln w="9525">
+            <a:noFill/>
+            <a:miter lim="800000"/>
+            <a:headEnd/>
+            <a:tailEnd/>
+          </a:ln>
+        </p:spPr>
+      </p:pic>
     </p:spTree>
   </p:cSld>
   <p:clrMapOvr>
@@ -9723,6 +11159,38 @@
             <a:avLst/>
           </a:prstGeom>
           <a:noFill/>
+        </p:spPr>
+      </p:pic>
+      <p:pic>
+        <p:nvPicPr>
+          <p:cNvPr id="5" name="Picture 1"/>
+          <p:cNvPicPr>
+            <a:picLocks noChangeAspect="1" noChangeArrowheads="1"/>
+          </p:cNvPicPr>
+          <p:nvPr/>
+        </p:nvPicPr>
+        <p:blipFill>
+          <a:blip r:embed="rId4" cstate="print"/>
+          <a:srcRect/>
+          <a:stretch>
+            <a:fillRect/>
+          </a:stretch>
+        </p:blipFill>
+        <p:spPr bwMode="auto">
+          <a:xfrm>
+            <a:off x="228600" y="6400800"/>
+            <a:ext cx="1271392" cy="304800"/>
+          </a:xfrm>
+          <a:prstGeom prst="rect">
+            <a:avLst/>
+          </a:prstGeom>
+          <a:noFill/>
+          <a:ln w="9525">
+            <a:noFill/>
+            <a:miter lim="800000"/>
+            <a:headEnd/>
+            <a:tailEnd/>
+          </a:ln>
         </p:spPr>
       </p:pic>
     </p:spTree>
@@ -9847,6 +11315,38 @@
             <a:avLst/>
           </a:prstGeom>
           <a:noFill/>
+        </p:spPr>
+      </p:pic>
+      <p:pic>
+        <p:nvPicPr>
+          <p:cNvPr id="5" name="Picture 1"/>
+          <p:cNvPicPr>
+            <a:picLocks noChangeAspect="1" noChangeArrowheads="1"/>
+          </p:cNvPicPr>
+          <p:nvPr/>
+        </p:nvPicPr>
+        <p:blipFill>
+          <a:blip r:embed="rId4" cstate="print"/>
+          <a:srcRect/>
+          <a:stretch>
+            <a:fillRect/>
+          </a:stretch>
+        </p:blipFill>
+        <p:spPr bwMode="auto">
+          <a:xfrm>
+            <a:off x="228600" y="6400800"/>
+            <a:ext cx="1271392" cy="304800"/>
+          </a:xfrm>
+          <a:prstGeom prst="rect">
+            <a:avLst/>
+          </a:prstGeom>
+          <a:noFill/>
+          <a:ln w="9525">
+            <a:noFill/>
+            <a:miter lim="800000"/>
+            <a:headEnd/>
+            <a:tailEnd/>
+          </a:ln>
         </p:spPr>
       </p:pic>
     </p:spTree>

--- a/doc/OpenHFT-presented-2Java-SIG-Nov-13-AND-HZ-Nov-18pptx.pptx
+++ b/doc/OpenHFT-presented-2Java-SIG-Nov-13-AND-HZ-Nov-18pptx.pptx
@@ -3209,84 +3209,6 @@
       </p:sp>
       <p:pic>
         <p:nvPicPr>
-          <p:cNvPr id="37890" name="Picture 2" descr="OpenHFT"/>
-          <p:cNvPicPr>
-            <a:picLocks noChangeAspect="1" noChangeArrowheads="1"/>
-          </p:cNvPicPr>
-          <p:nvPr/>
-        </p:nvPicPr>
-        <p:blipFill>
-          <a:blip r:embed="rId3" cstate="print"/>
-          <a:srcRect/>
-          <a:stretch>
-            <a:fillRect/>
-          </a:stretch>
-        </p:blipFill>
-        <p:spPr bwMode="auto">
-          <a:xfrm>
-            <a:off x="155575" y="-350838"/>
-            <a:ext cx="3276600" cy="742951"/>
-          </a:xfrm>
-          <a:prstGeom prst="rect">
-            <a:avLst/>
-          </a:prstGeom>
-          <a:noFill/>
-        </p:spPr>
-      </p:pic>
-      <p:pic>
-        <p:nvPicPr>
-          <p:cNvPr id="37892" name="Picture 4" descr="OpenHFT"/>
-          <p:cNvPicPr>
-            <a:picLocks noChangeAspect="1" noChangeArrowheads="1"/>
-          </p:cNvPicPr>
-          <p:nvPr/>
-        </p:nvPicPr>
-        <p:blipFill>
-          <a:blip r:embed="rId3" cstate="print"/>
-          <a:srcRect/>
-          <a:stretch>
-            <a:fillRect/>
-          </a:stretch>
-        </p:blipFill>
-        <p:spPr bwMode="auto">
-          <a:xfrm>
-            <a:off x="155575" y="-350838"/>
-            <a:ext cx="3276600" cy="742951"/>
-          </a:xfrm>
-          <a:prstGeom prst="rect">
-            <a:avLst/>
-          </a:prstGeom>
-          <a:noFill/>
-        </p:spPr>
-      </p:pic>
-      <p:pic>
-        <p:nvPicPr>
-          <p:cNvPr id="37894" name="Picture 6" descr="OpenHFT"/>
-          <p:cNvPicPr>
-            <a:picLocks noChangeAspect="1" noChangeArrowheads="1"/>
-          </p:cNvPicPr>
-          <p:nvPr/>
-        </p:nvPicPr>
-        <p:blipFill>
-          <a:blip r:embed="rId3" cstate="print"/>
-          <a:srcRect/>
-          <a:stretch>
-            <a:fillRect/>
-          </a:stretch>
-        </p:blipFill>
-        <p:spPr bwMode="auto">
-          <a:xfrm>
-            <a:off x="155575" y="-350838"/>
-            <a:ext cx="3276600" cy="742951"/>
-          </a:xfrm>
-          <a:prstGeom prst="rect">
-            <a:avLst/>
-          </a:prstGeom>
-          <a:noFill/>
-        </p:spPr>
-      </p:pic>
-      <p:pic>
-        <p:nvPicPr>
           <p:cNvPr id="37895" name="Picture 7"/>
           <p:cNvPicPr>
             <a:picLocks noChangeAspect="1" noChangeArrowheads="1"/>
@@ -3294,7 +3216,7 @@
           <p:nvPr/>
         </p:nvPicPr>
         <p:blipFill>
-          <a:blip r:embed="rId4" cstate="print"/>
+          <a:blip r:embed="rId3" cstate="print"/>
           <a:srcRect/>
           <a:stretch>
             <a:fillRect/>
